--- a/files/CS373/TechWritingSpeaking2.0.pptx
+++ b/files/CS373/TechWritingSpeaking2.0.pptx
@@ -853,10 +853,9 @@
           <a:lstStyle/>
           <a:p>
             <a:r>
-              <a:rPr lang="en-US" smtClean="0"/>
+              <a:rPr lang="en-US"/>
               <a:t>Click to edit Master title style</a:t>
             </a:r>
-            <a:endParaRPr lang="en-US"/>
           </a:p>
         </p:txBody>
       </p:sp>
@@ -918,10 +917,9 @@
           </a:lstStyle>
           <a:p>
             <a:r>
-              <a:rPr lang="en-US" smtClean="0"/>
+              <a:rPr lang="en-US"/>
               <a:t>Click to edit Master subtitle style</a:t>
             </a:r>
-            <a:endParaRPr lang="en-US"/>
           </a:p>
         </p:txBody>
       </p:sp>
@@ -969,15 +967,7 @@
           <a:p>
             <a:r>
               <a:rPr lang="en-US" dirty="0"/>
-              <a:t>CSCI </a:t>
-            </a:r>
-            <a:r>
-              <a:rPr lang="en-US" dirty="0" smtClean="0"/>
-              <a:t>373 </a:t>
-            </a:r>
-            <a:r>
-              <a:rPr lang="en-US" dirty="0"/>
-              <a:t>Mike Heroux</a:t>
+              <a:t>CSCI 373 Mike Heroux</a:t>
             </a:r>
           </a:p>
         </p:txBody>
@@ -1051,10 +1041,9 @@
           <a:lstStyle/>
           <a:p>
             <a:r>
-              <a:rPr lang="en-US" smtClean="0"/>
+              <a:rPr lang="en-US"/>
               <a:t>Click to edit Master title style</a:t>
             </a:r>
-            <a:endParaRPr lang="en-US"/>
           </a:p>
         </p:txBody>
       </p:sp>
@@ -1075,38 +1064,37 @@
           <a:p>
             <a:pPr lvl="0"/>
             <a:r>
-              <a:rPr lang="en-US" smtClean="0"/>
+              <a:rPr lang="en-US"/>
               <a:t>Click to edit Master text styles</a:t>
             </a:r>
           </a:p>
           <a:p>
             <a:pPr lvl="1"/>
             <a:r>
-              <a:rPr lang="en-US" smtClean="0"/>
+              <a:rPr lang="en-US"/>
               <a:t>Second level</a:t>
             </a:r>
           </a:p>
           <a:p>
             <a:pPr lvl="2"/>
             <a:r>
-              <a:rPr lang="en-US" smtClean="0"/>
+              <a:rPr lang="en-US"/>
               <a:t>Third level</a:t>
             </a:r>
           </a:p>
           <a:p>
             <a:pPr lvl="3"/>
             <a:r>
-              <a:rPr lang="en-US" smtClean="0"/>
+              <a:rPr lang="en-US"/>
               <a:t>Fourth level</a:t>
             </a:r>
           </a:p>
           <a:p>
             <a:pPr lvl="4"/>
             <a:r>
-              <a:rPr lang="en-US" smtClean="0"/>
+              <a:rPr lang="en-US"/>
               <a:t>Fifth level</a:t>
             </a:r>
-            <a:endParaRPr lang="en-US"/>
           </a:p>
         </p:txBody>
       </p:sp>
@@ -1154,15 +1142,7 @@
           <a:p>
             <a:r>
               <a:rPr lang="en-US" dirty="0"/>
-              <a:t>CSCI </a:t>
-            </a:r>
-            <a:r>
-              <a:rPr lang="en-US" dirty="0" smtClean="0"/>
-              <a:t>373 Mike </a:t>
-            </a:r>
-            <a:r>
-              <a:rPr lang="en-US" dirty="0"/>
-              <a:t>Heroux</a:t>
+              <a:t>CSCI 373 Mike Heroux</a:t>
             </a:r>
           </a:p>
         </p:txBody>
@@ -1241,10 +1221,9 @@
           <a:lstStyle/>
           <a:p>
             <a:r>
-              <a:rPr lang="en-US" smtClean="0"/>
+              <a:rPr lang="en-US"/>
               <a:t>Click to edit Master title style</a:t>
             </a:r>
-            <a:endParaRPr lang="en-US"/>
           </a:p>
         </p:txBody>
       </p:sp>
@@ -1270,38 +1249,37 @@
           <a:p>
             <a:pPr lvl="0"/>
             <a:r>
-              <a:rPr lang="en-US" smtClean="0"/>
+              <a:rPr lang="en-US"/>
               <a:t>Click to edit Master text styles</a:t>
             </a:r>
           </a:p>
           <a:p>
             <a:pPr lvl="1"/>
             <a:r>
-              <a:rPr lang="en-US" smtClean="0"/>
+              <a:rPr lang="en-US"/>
               <a:t>Second level</a:t>
             </a:r>
           </a:p>
           <a:p>
             <a:pPr lvl="2"/>
             <a:r>
-              <a:rPr lang="en-US" smtClean="0"/>
+              <a:rPr lang="en-US"/>
               <a:t>Third level</a:t>
             </a:r>
           </a:p>
           <a:p>
             <a:pPr lvl="3"/>
             <a:r>
-              <a:rPr lang="en-US" smtClean="0"/>
+              <a:rPr lang="en-US"/>
               <a:t>Fourth level</a:t>
             </a:r>
           </a:p>
           <a:p>
             <a:pPr lvl="4"/>
             <a:r>
-              <a:rPr lang="en-US" smtClean="0"/>
+              <a:rPr lang="en-US"/>
               <a:t>Fifth level</a:t>
             </a:r>
-            <a:endParaRPr lang="en-US"/>
           </a:p>
         </p:txBody>
       </p:sp>
@@ -1348,10 +1326,9 @@
           </a:lstStyle>
           <a:p>
             <a:r>
-              <a:rPr lang="en-US" dirty="0" smtClean="0"/>
+              <a:rPr lang="en-US" dirty="0"/>
               <a:t>CSCI 373 Mike Heroux</a:t>
             </a:r>
-            <a:endParaRPr lang="en-US" dirty="0"/>
           </a:p>
         </p:txBody>
       </p:sp>
@@ -1424,10 +1401,9 @@
           <a:lstStyle/>
           <a:p>
             <a:r>
-              <a:rPr lang="en-US" smtClean="0"/>
+              <a:rPr lang="en-US"/>
               <a:t>Click to edit Master title style</a:t>
             </a:r>
-            <a:endParaRPr lang="en-US"/>
           </a:p>
         </p:txBody>
       </p:sp>
@@ -1448,38 +1424,37 @@
           <a:p>
             <a:pPr lvl="0"/>
             <a:r>
-              <a:rPr lang="en-US" smtClean="0"/>
+              <a:rPr lang="en-US"/>
               <a:t>Click to edit Master text styles</a:t>
             </a:r>
           </a:p>
           <a:p>
             <a:pPr lvl="1"/>
             <a:r>
-              <a:rPr lang="en-US" smtClean="0"/>
+              <a:rPr lang="en-US"/>
               <a:t>Second level</a:t>
             </a:r>
           </a:p>
           <a:p>
             <a:pPr lvl="2"/>
             <a:r>
-              <a:rPr lang="en-US" smtClean="0"/>
+              <a:rPr lang="en-US"/>
               <a:t>Third level</a:t>
             </a:r>
           </a:p>
           <a:p>
             <a:pPr lvl="3"/>
             <a:r>
-              <a:rPr lang="en-US" smtClean="0"/>
+              <a:rPr lang="en-US"/>
               <a:t>Fourth level</a:t>
             </a:r>
           </a:p>
           <a:p>
             <a:pPr lvl="4"/>
             <a:r>
-              <a:rPr lang="en-US" smtClean="0"/>
+              <a:rPr lang="en-US"/>
               <a:t>Fifth level</a:t>
             </a:r>
-            <a:endParaRPr lang="en-US"/>
           </a:p>
         </p:txBody>
       </p:sp>
@@ -1527,15 +1502,7 @@
           <a:p>
             <a:r>
               <a:rPr lang="en-US" dirty="0"/>
-              <a:t>CSCI </a:t>
-            </a:r>
-            <a:r>
-              <a:rPr lang="en-US" dirty="0" smtClean="0"/>
-              <a:t>373 Mike </a:t>
-            </a:r>
-            <a:r>
-              <a:rPr lang="en-US" dirty="0"/>
-              <a:t>Heroux</a:t>
+              <a:t>CSCI 373 Mike Heroux</a:t>
             </a:r>
           </a:p>
         </p:txBody>
@@ -1618,10 +1585,9 @@
           </a:lstStyle>
           <a:p>
             <a:r>
-              <a:rPr lang="en-US" smtClean="0"/>
+              <a:rPr lang="en-US"/>
               <a:t>Click to edit Master title style</a:t>
             </a:r>
-            <a:endParaRPr lang="en-US"/>
           </a:p>
         </p:txBody>
       </p:sp>
@@ -1684,7 +1650,7 @@
           <a:p>
             <a:pPr lvl="0"/>
             <a:r>
-              <a:rPr lang="en-US" smtClean="0"/>
+              <a:rPr lang="en-US"/>
               <a:t>Click to edit Master text styles</a:t>
             </a:r>
           </a:p>
@@ -1734,15 +1700,7 @@
           <a:p>
             <a:r>
               <a:rPr lang="en-US" dirty="0"/>
-              <a:t>CSCI </a:t>
-            </a:r>
-            <a:r>
-              <a:rPr lang="en-US" dirty="0" smtClean="0"/>
-              <a:t>373 Mike </a:t>
-            </a:r>
-            <a:r>
-              <a:rPr lang="en-US" dirty="0"/>
-              <a:t>Heroux</a:t>
+              <a:t>CSCI 373 Mike Heroux</a:t>
             </a:r>
           </a:p>
         </p:txBody>
@@ -1816,10 +1774,9 @@
           <a:lstStyle/>
           <a:p>
             <a:r>
-              <a:rPr lang="en-US" smtClean="0"/>
+              <a:rPr lang="en-US"/>
               <a:t>Click to edit Master title style</a:t>
             </a:r>
-            <a:endParaRPr lang="en-US"/>
           </a:p>
         </p:txBody>
       </p:sp>
@@ -1873,38 +1830,37 @@
           <a:p>
             <a:pPr lvl="0"/>
             <a:r>
-              <a:rPr lang="en-US" smtClean="0"/>
+              <a:rPr lang="en-US"/>
               <a:t>Click to edit Master text styles</a:t>
             </a:r>
           </a:p>
           <a:p>
             <a:pPr lvl="1"/>
             <a:r>
-              <a:rPr lang="en-US" smtClean="0"/>
+              <a:rPr lang="en-US"/>
               <a:t>Second level</a:t>
             </a:r>
           </a:p>
           <a:p>
             <a:pPr lvl="2"/>
             <a:r>
-              <a:rPr lang="en-US" smtClean="0"/>
+              <a:rPr lang="en-US"/>
               <a:t>Third level</a:t>
             </a:r>
           </a:p>
           <a:p>
             <a:pPr lvl="3"/>
             <a:r>
-              <a:rPr lang="en-US" smtClean="0"/>
+              <a:rPr lang="en-US"/>
               <a:t>Fourth level</a:t>
             </a:r>
           </a:p>
           <a:p>
             <a:pPr lvl="4"/>
             <a:r>
-              <a:rPr lang="en-US" smtClean="0"/>
+              <a:rPr lang="en-US"/>
               <a:t>Fifth level</a:t>
             </a:r>
-            <a:endParaRPr lang="en-US"/>
           </a:p>
         </p:txBody>
       </p:sp>
@@ -1958,38 +1914,37 @@
           <a:p>
             <a:pPr lvl="0"/>
             <a:r>
-              <a:rPr lang="en-US" smtClean="0"/>
+              <a:rPr lang="en-US"/>
               <a:t>Click to edit Master text styles</a:t>
             </a:r>
           </a:p>
           <a:p>
             <a:pPr lvl="1"/>
             <a:r>
-              <a:rPr lang="en-US" smtClean="0"/>
+              <a:rPr lang="en-US"/>
               <a:t>Second level</a:t>
             </a:r>
           </a:p>
           <a:p>
             <a:pPr lvl="2"/>
             <a:r>
-              <a:rPr lang="en-US" smtClean="0"/>
+              <a:rPr lang="en-US"/>
               <a:t>Third level</a:t>
             </a:r>
           </a:p>
           <a:p>
             <a:pPr lvl="3"/>
             <a:r>
-              <a:rPr lang="en-US" smtClean="0"/>
+              <a:rPr lang="en-US"/>
               <a:t>Fourth level</a:t>
             </a:r>
           </a:p>
           <a:p>
             <a:pPr lvl="4"/>
             <a:r>
-              <a:rPr lang="en-US" smtClean="0"/>
+              <a:rPr lang="en-US"/>
               <a:t>Fifth level</a:t>
             </a:r>
-            <a:endParaRPr lang="en-US"/>
           </a:p>
         </p:txBody>
       </p:sp>
@@ -2037,15 +1992,7 @@
           <a:p>
             <a:r>
               <a:rPr lang="en-US" dirty="0"/>
-              <a:t>CSCI </a:t>
-            </a:r>
-            <a:r>
-              <a:rPr lang="en-US" dirty="0" smtClean="0"/>
-              <a:t>37 3Mike </a:t>
-            </a:r>
-            <a:r>
-              <a:rPr lang="en-US" dirty="0"/>
-              <a:t>Heroux</a:t>
+              <a:t>CSCI 37 3Mike Heroux</a:t>
             </a:r>
           </a:p>
         </p:txBody>
@@ -2128,10 +2075,9 @@
           </a:lstStyle>
           <a:p>
             <a:r>
-              <a:rPr lang="en-US" smtClean="0"/>
+              <a:rPr lang="en-US"/>
               <a:t>Click to edit Master title style</a:t>
             </a:r>
-            <a:endParaRPr lang="en-US"/>
           </a:p>
         </p:txBody>
       </p:sp>
@@ -2194,7 +2140,7 @@
           <a:p>
             <a:pPr lvl="0"/>
             <a:r>
-              <a:rPr lang="en-US" smtClean="0"/>
+              <a:rPr lang="en-US"/>
               <a:t>Click to edit Master text styles</a:t>
             </a:r>
           </a:p>
@@ -2250,38 +2196,37 @@
           <a:p>
             <a:pPr lvl="0"/>
             <a:r>
-              <a:rPr lang="en-US" smtClean="0"/>
+              <a:rPr lang="en-US"/>
               <a:t>Click to edit Master text styles</a:t>
             </a:r>
           </a:p>
           <a:p>
             <a:pPr lvl="1"/>
             <a:r>
-              <a:rPr lang="en-US" smtClean="0"/>
+              <a:rPr lang="en-US"/>
               <a:t>Second level</a:t>
             </a:r>
           </a:p>
           <a:p>
             <a:pPr lvl="2"/>
             <a:r>
-              <a:rPr lang="en-US" smtClean="0"/>
+              <a:rPr lang="en-US"/>
               <a:t>Third level</a:t>
             </a:r>
           </a:p>
           <a:p>
             <a:pPr lvl="3"/>
             <a:r>
-              <a:rPr lang="en-US" smtClean="0"/>
+              <a:rPr lang="en-US"/>
               <a:t>Fourth level</a:t>
             </a:r>
           </a:p>
           <a:p>
             <a:pPr lvl="4"/>
             <a:r>
-              <a:rPr lang="en-US" smtClean="0"/>
+              <a:rPr lang="en-US"/>
               <a:t>Fifth level</a:t>
             </a:r>
-            <a:endParaRPr lang="en-US"/>
           </a:p>
         </p:txBody>
       </p:sp>
@@ -2344,7 +2289,7 @@
           <a:p>
             <a:pPr lvl="0"/>
             <a:r>
-              <a:rPr lang="en-US" smtClean="0"/>
+              <a:rPr lang="en-US"/>
               <a:t>Click to edit Master text styles</a:t>
             </a:r>
           </a:p>
@@ -2400,38 +2345,37 @@
           <a:p>
             <a:pPr lvl="0"/>
             <a:r>
-              <a:rPr lang="en-US" smtClean="0"/>
+              <a:rPr lang="en-US"/>
               <a:t>Click to edit Master text styles</a:t>
             </a:r>
           </a:p>
           <a:p>
             <a:pPr lvl="1"/>
             <a:r>
-              <a:rPr lang="en-US" smtClean="0"/>
+              <a:rPr lang="en-US"/>
               <a:t>Second level</a:t>
             </a:r>
           </a:p>
           <a:p>
             <a:pPr lvl="2"/>
             <a:r>
-              <a:rPr lang="en-US" smtClean="0"/>
+              <a:rPr lang="en-US"/>
               <a:t>Third level</a:t>
             </a:r>
           </a:p>
           <a:p>
             <a:pPr lvl="3"/>
             <a:r>
-              <a:rPr lang="en-US" smtClean="0"/>
+              <a:rPr lang="en-US"/>
               <a:t>Fourth level</a:t>
             </a:r>
           </a:p>
           <a:p>
             <a:pPr lvl="4"/>
             <a:r>
-              <a:rPr lang="en-US" smtClean="0"/>
+              <a:rPr lang="en-US"/>
               <a:t>Fifth level</a:t>
             </a:r>
-            <a:endParaRPr lang="en-US"/>
           </a:p>
         </p:txBody>
       </p:sp>
@@ -2553,10 +2497,9 @@
           <a:lstStyle/>
           <a:p>
             <a:r>
-              <a:rPr lang="en-US" smtClean="0"/>
+              <a:rPr lang="en-US"/>
               <a:t>Click to edit Master title style</a:t>
             </a:r>
-            <a:endParaRPr lang="en-US"/>
           </a:p>
         </p:txBody>
       </p:sp>
@@ -2604,15 +2547,7 @@
           <a:p>
             <a:r>
               <a:rPr lang="en-US" dirty="0"/>
-              <a:t>CSCI </a:t>
-            </a:r>
-            <a:r>
-              <a:rPr lang="en-US" dirty="0" smtClean="0"/>
-              <a:t>373 Mike </a:t>
-            </a:r>
-            <a:r>
-              <a:rPr lang="en-US" dirty="0"/>
-              <a:t>Heroux</a:t>
+              <a:t>CSCI 373 Mike Heroux</a:t>
             </a:r>
           </a:p>
         </p:txBody>
@@ -2714,15 +2649,7 @@
           <a:p>
             <a:r>
               <a:rPr lang="en-US" dirty="0"/>
-              <a:t>CSCI </a:t>
-            </a:r>
-            <a:r>
-              <a:rPr lang="en-US" dirty="0" smtClean="0"/>
-              <a:t>373 Mike </a:t>
-            </a:r>
-            <a:r>
-              <a:rPr lang="en-US" dirty="0"/>
-              <a:t>Heroux</a:t>
+              <a:t>CSCI 373 Mike Heroux</a:t>
             </a:r>
           </a:p>
         </p:txBody>
@@ -2805,10 +2732,9 @@
           </a:lstStyle>
           <a:p>
             <a:r>
-              <a:rPr lang="en-US" smtClean="0"/>
+              <a:rPr lang="en-US"/>
               <a:t>Click to edit Master title style</a:t>
             </a:r>
-            <a:endParaRPr lang="en-US"/>
           </a:p>
         </p:txBody>
       </p:sp>
@@ -2862,38 +2788,37 @@
           <a:p>
             <a:pPr lvl="0"/>
             <a:r>
-              <a:rPr lang="en-US" smtClean="0"/>
+              <a:rPr lang="en-US"/>
               <a:t>Click to edit Master text styles</a:t>
             </a:r>
           </a:p>
           <a:p>
             <a:pPr lvl="1"/>
             <a:r>
-              <a:rPr lang="en-US" smtClean="0"/>
+              <a:rPr lang="en-US"/>
               <a:t>Second level</a:t>
             </a:r>
           </a:p>
           <a:p>
             <a:pPr lvl="2"/>
             <a:r>
-              <a:rPr lang="en-US" smtClean="0"/>
+              <a:rPr lang="en-US"/>
               <a:t>Third level</a:t>
             </a:r>
           </a:p>
           <a:p>
             <a:pPr lvl="3"/>
             <a:r>
-              <a:rPr lang="en-US" smtClean="0"/>
+              <a:rPr lang="en-US"/>
               <a:t>Fourth level</a:t>
             </a:r>
           </a:p>
           <a:p>
             <a:pPr lvl="4"/>
             <a:r>
-              <a:rPr lang="en-US" smtClean="0"/>
+              <a:rPr lang="en-US"/>
               <a:t>Fifth level</a:t>
             </a:r>
-            <a:endParaRPr lang="en-US"/>
           </a:p>
         </p:txBody>
       </p:sp>
@@ -2956,7 +2881,7 @@
           <a:p>
             <a:pPr lvl="0"/>
             <a:r>
-              <a:rPr lang="en-US" smtClean="0"/>
+              <a:rPr lang="en-US"/>
               <a:t>Click to edit Master text styles</a:t>
             </a:r>
           </a:p>
@@ -3006,15 +2931,7 @@
           <a:p>
             <a:r>
               <a:rPr lang="en-US" dirty="0"/>
-              <a:t>CSCI </a:t>
-            </a:r>
-            <a:r>
-              <a:rPr lang="en-US" dirty="0" smtClean="0"/>
-              <a:t>373 Mike </a:t>
-            </a:r>
-            <a:r>
-              <a:rPr lang="en-US" dirty="0"/>
-              <a:t>Heroux</a:t>
+              <a:t>CSCI 373 Mike Heroux</a:t>
             </a:r>
           </a:p>
         </p:txBody>
@@ -3097,10 +3014,9 @@
           </a:lstStyle>
           <a:p>
             <a:r>
-              <a:rPr lang="en-US" smtClean="0"/>
+              <a:rPr lang="en-US"/>
               <a:t>Click to edit Master title style</a:t>
             </a:r>
-            <a:endParaRPr lang="en-US"/>
           </a:p>
         </p:txBody>
       </p:sp>
@@ -3224,7 +3140,7 @@
           <a:p>
             <a:pPr lvl="0"/>
             <a:r>
-              <a:rPr lang="en-US" smtClean="0"/>
+              <a:rPr lang="en-US"/>
               <a:t>Click to edit Master text styles</a:t>
             </a:r>
           </a:p>
@@ -3274,15 +3190,7 @@
           <a:p>
             <a:r>
               <a:rPr lang="en-US" dirty="0"/>
-              <a:t>CSCI </a:t>
-            </a:r>
-            <a:r>
-              <a:rPr lang="en-US" dirty="0" smtClean="0"/>
-              <a:t>373 Mike </a:t>
-            </a:r>
-            <a:r>
-              <a:rPr lang="en-US" dirty="0"/>
-              <a:t>Heroux</a:t>
+              <a:t>CSCI 373 Mike Heroux</a:t>
             </a:r>
           </a:p>
         </p:txBody>
@@ -3546,15 +3454,7 @@
           <a:p>
             <a:r>
               <a:rPr lang="en-US" dirty="0"/>
-              <a:t>CSCI </a:t>
-            </a:r>
-            <a:r>
-              <a:rPr lang="en-US" dirty="0" smtClean="0"/>
-              <a:t>373 </a:t>
-            </a:r>
-            <a:r>
-              <a:rPr lang="en-US" dirty="0"/>
-              <a:t>Mike Heroux</a:t>
+              <a:t>CSCI 373 Mike Heroux</a:t>
             </a:r>
           </a:p>
         </p:txBody>
@@ -4035,15 +3935,7 @@
           <a:p>
             <a:r>
               <a:rPr lang="en-US" dirty="0"/>
-              <a:t>CSCI </a:t>
-            </a:r>
-            <a:r>
-              <a:rPr lang="en-US" dirty="0" smtClean="0"/>
-              <a:t>373 Mike </a:t>
-            </a:r>
-            <a:r>
-              <a:rPr lang="en-US" dirty="0"/>
-              <a:t>Heroux</a:t>
+              <a:t>CSCI 373 Mike Heroux</a:t>
             </a:r>
           </a:p>
         </p:txBody>
@@ -4095,14 +3987,14 @@
           <a:lstStyle/>
           <a:p>
             <a:r>
-              <a:rPr lang="en-US" u="none" dirty="0" smtClean="0"/>
+              <a:rPr lang="en-US" u="none" dirty="0"/>
               <a:t>Technical Writing &amp; Presenting</a:t>
             </a:r>
             <a:br>
-              <a:rPr lang="en-US" u="none" dirty="0" smtClean="0"/>
+              <a:rPr lang="en-US" u="none" dirty="0"/>
             </a:br>
             <a:r>
-              <a:rPr lang="en-US" u="none" dirty="0" smtClean="0"/>
+              <a:rPr lang="en-US" u="none" dirty="0"/>
               <a:t>2.0</a:t>
             </a:r>
             <a:endParaRPr lang="en-US" dirty="0"/>
@@ -4130,13 +4022,8 @@
             <a:pPr marL="342900" indent="-342900"/>
             <a:r>
               <a:rPr lang="en-US" dirty="0"/>
-              <a:t>CSCI </a:t>
-            </a:r>
-            <a:r>
-              <a:rPr lang="en-US" dirty="0" smtClean="0"/>
-              <a:t>373</a:t>
-            </a:r>
-            <a:endParaRPr lang="en-US" dirty="0"/>
+              <a:t>CSCI 373</a:t>
+            </a:r>
           </a:p>
           <a:p>
             <a:pPr marL="342900" indent="-342900"/>
@@ -4189,10 +4076,9 @@
           <a:lstStyle/>
           <a:p>
             <a:r>
-              <a:rPr lang="en-US" dirty="0" smtClean="0"/>
+              <a:rPr lang="en-US" dirty="0"/>
               <a:t>Labels and Citations</a:t>
             </a:r>
-            <a:endParaRPr lang="en-US" dirty="0"/>
           </a:p>
         </p:txBody>
       </p:sp>
@@ -4212,61 +4098,59 @@
           <a:lstStyle/>
           <a:p>
             <a:r>
-              <a:rPr lang="en-US" dirty="0" smtClean="0"/>
+              <a:rPr lang="en-US" dirty="0"/>
               <a:t>Labels:</a:t>
             </a:r>
           </a:p>
           <a:p>
             <a:pPr lvl="1"/>
             <a:r>
-              <a:rPr lang="en-US" dirty="0" smtClean="0"/>
+              <a:rPr lang="en-US" dirty="0"/>
               <a:t>\label{</a:t>
             </a:r>
             <a:r>
-              <a:rPr lang="en-US" dirty="0" err="1" smtClean="0"/>
+              <a:rPr lang="en-US" dirty="0" err="1"/>
               <a:t>label_name</a:t>
             </a:r>
             <a:r>
-              <a:rPr lang="en-US" dirty="0" smtClean="0"/>
+              <a:rPr lang="en-US" dirty="0"/>
               <a:t>} and \ref{</a:t>
             </a:r>
             <a:r>
-              <a:rPr lang="en-US" dirty="0" err="1" smtClean="0"/>
+              <a:rPr lang="en-US" dirty="0" err="1"/>
               <a:t>label_name</a:t>
             </a:r>
             <a:r>
               <a:rPr lang="en-US" dirty="0"/>
               <a:t>}</a:t>
             </a:r>
-            <a:endParaRPr lang="en-US" dirty="0" smtClean="0"/>
-          </a:p>
-          <a:p>
-            <a:r>
-              <a:rPr lang="en-US" dirty="0" smtClean="0"/>
+          </a:p>
+          <a:p>
+            <a:r>
+              <a:rPr lang="en-US" dirty="0"/>
               <a:t>Use ~:</a:t>
             </a:r>
           </a:p>
           <a:p>
             <a:pPr lvl="1"/>
             <a:r>
-              <a:rPr lang="en-US" dirty="0" smtClean="0"/>
+              <a:rPr lang="en-US" dirty="0"/>
               <a:t>In Smith and Jones~\cite{2014SmithJones}, we see that …</a:t>
             </a:r>
           </a:p>
           <a:p>
             <a:pPr lvl="1"/>
             <a:r>
-              <a:rPr lang="en-US" dirty="0" smtClean="0"/>
+              <a:rPr lang="en-US" dirty="0"/>
               <a:t>In Section~\ref{intro}, …</a:t>
             </a:r>
           </a:p>
           <a:p>
             <a:pPr lvl="1"/>
             <a:r>
-              <a:rPr lang="en-US" dirty="0" smtClean="0"/>
+              <a:rPr lang="en-US" dirty="0"/>
               <a:t>In Figure~\ref{fig1}, …</a:t>
             </a:r>
-            <a:endParaRPr lang="en-US" dirty="0"/>
           </a:p>
         </p:txBody>
       </p:sp>
@@ -4286,7 +4170,7 @@
           <a:lstStyle/>
           <a:p>
             <a:r>
-              <a:rPr lang="en-US" smtClean="0"/>
+              <a:rPr lang="en-US"/>
               <a:t>CSCI 373 Mike Heroux</a:t>
             </a:r>
             <a:endParaRPr lang="en-US" dirty="0"/>
@@ -4363,10 +4247,9 @@
           <a:lstStyle/>
           <a:p>
             <a:r>
-              <a:rPr lang="en-US" dirty="0" smtClean="0"/>
+              <a:rPr lang="en-US" dirty="0"/>
               <a:t>Figures</a:t>
             </a:r>
-            <a:endParaRPr lang="en-US" dirty="0"/>
           </a:p>
         </p:txBody>
       </p:sp>
@@ -4391,38 +4274,37 @@
           <a:lstStyle/>
           <a:p>
             <a:r>
-              <a:rPr lang="en-US" dirty="0" smtClean="0"/>
+              <a:rPr lang="en-US" dirty="0"/>
               <a:t>Figures:</a:t>
             </a:r>
           </a:p>
           <a:p>
             <a:pPr lvl="1"/>
             <a:r>
-              <a:rPr lang="en-US" dirty="0" smtClean="0"/>
+              <a:rPr lang="en-US" dirty="0"/>
               <a:t>Clearly labeled: Units, legend, title.</a:t>
             </a:r>
           </a:p>
           <a:p>
             <a:pPr lvl="1"/>
             <a:r>
-              <a:rPr lang="en-US" dirty="0" smtClean="0"/>
+              <a:rPr lang="en-US" dirty="0"/>
               <a:t>Captions: Should explain the figure in summary.</a:t>
             </a:r>
           </a:p>
           <a:p>
             <a:r>
-              <a:rPr lang="en-US" dirty="0" smtClean="0"/>
+              <a:rPr lang="en-US" dirty="0"/>
               <a:t>Use </a:t>
             </a:r>
             <a:r>
-              <a:rPr lang="en-US" dirty="0" err="1" smtClean="0"/>
+              <a:rPr lang="en-US" dirty="0" err="1"/>
               <a:t>minipage</a:t>
             </a:r>
             <a:r>
-              <a:rPr lang="en-US" dirty="0" smtClean="0"/>
+              <a:rPr lang="en-US" dirty="0"/>
               <a:t> for complicated figure arrangements.</a:t>
             </a:r>
-            <a:endParaRPr lang="en-US" dirty="0"/>
           </a:p>
         </p:txBody>
       </p:sp>
@@ -4442,7 +4324,7 @@
           <a:lstStyle/>
           <a:p>
             <a:r>
-              <a:rPr lang="en-US" smtClean="0"/>
+              <a:rPr lang="en-US"/>
               <a:t>CSCI 373 Mike Heroux</a:t>
             </a:r>
             <a:endParaRPr lang="en-US" dirty="0"/>
@@ -4512,27 +4394,19 @@
               <a:t>textwidth</a:t>
             </a:r>
             <a:r>
-              <a:rPr lang="en-US" sz="1600" dirty="0" smtClean="0"/>
+              <a:rPr lang="en-US" sz="1600" dirty="0"/>
               <a:t>}</a:t>
             </a:r>
           </a:p>
           <a:p>
             <a:r>
-              <a:rPr lang="en-US" sz="1600" dirty="0" smtClean="0"/>
-              <a:t>\</a:t>
-            </a:r>
-            <a:r>
               <a:rPr lang="en-US" sz="1600" dirty="0"/>
-              <a:t>begin{center</a:t>
-            </a:r>
-            <a:r>
-              <a:rPr lang="en-US" sz="1600" dirty="0" smtClean="0"/>
-              <a:t>}</a:t>
-            </a:r>
-          </a:p>
-          <a:p>
-            <a:r>
-              <a:rPr lang="en-US" sz="1600" dirty="0" smtClean="0"/>
+              <a:t>\begin{center}</a:t>
+            </a:r>
+          </a:p>
+          <a:p>
+            <a:r>
+              <a:rPr lang="en-US" sz="1600" dirty="0"/>
               <a:t>\</a:t>
             </a:r>
             <a:r>
@@ -4540,18 +4414,14 @@
               <a:t>fbox</a:t>
             </a:r>
             <a:r>
-              <a:rPr lang="en-US" sz="1600" dirty="0" smtClean="0"/>
+              <a:rPr lang="en-US" sz="1600" dirty="0"/>
               <a:t>{</a:t>
             </a:r>
           </a:p>
           <a:p>
             <a:r>
-              <a:rPr lang="en-US" sz="1600" dirty="0" smtClean="0"/>
-              <a:t>\</a:t>
-            </a:r>
-            <a:r>
               <a:rPr lang="en-US" sz="1600" dirty="0"/>
-              <a:t>begin{</a:t>
+              <a:t>\begin{</a:t>
             </a:r>
             <a:r>
               <a:rPr lang="en-US" sz="1600" dirty="0" err="1"/>
@@ -4566,79 +4436,59 @@
               <a:t>textwidth</a:t>
             </a:r>
             <a:r>
-              <a:rPr lang="en-US" sz="1600" dirty="0" smtClean="0"/>
+              <a:rPr lang="en-US" sz="1600" dirty="0"/>
               <a:t>}</a:t>
             </a:r>
           </a:p>
           <a:p>
             <a:r>
-              <a:rPr lang="en-US" sz="1600" dirty="0" smtClean="0"/>
+              <a:rPr lang="en-US" sz="1600" dirty="0"/>
               <a:t>\</a:t>
             </a:r>
             <a:r>
-              <a:rPr lang="en-US" sz="1600" dirty="0" err="1" smtClean="0"/>
+              <a:rPr lang="en-US" sz="1600" dirty="0" err="1"/>
               <a:t>raggedright</a:t>
             </a:r>
-            <a:endParaRPr lang="en-US" sz="1600" dirty="0" smtClean="0"/>
-          </a:p>
-          <a:p>
-            <a:endParaRPr lang="en-US" sz="1600" dirty="0" smtClean="0"/>
-          </a:p>
-          <a:p>
-            <a:r>
-              <a:rPr lang="en-US" sz="1600" dirty="0" smtClean="0"/>
-              <a:t>\</a:t>
-            </a:r>
+            <a:endParaRPr lang="en-US" sz="1600" dirty="0"/>
+          </a:p>
+          <a:p>
+            <a:endParaRPr lang="en-US" sz="1600" dirty="0"/>
+          </a:p>
+          <a:p>
             <a:r>
               <a:rPr lang="en-US" sz="1600" dirty="0"/>
-              <a:t>end{</a:t>
+              <a:t>\end{</a:t>
             </a:r>
             <a:r>
               <a:rPr lang="en-US" sz="1600" dirty="0" err="1"/>
               <a:t>minipage</a:t>
             </a:r>
             <a:r>
-              <a:rPr lang="en-US" sz="1600" dirty="0" smtClean="0"/>
+              <a:rPr lang="en-US" sz="1600" dirty="0"/>
               <a:t>}</a:t>
             </a:r>
           </a:p>
           <a:p>
             <a:r>
-              <a:rPr lang="en-US" sz="1600" dirty="0" smtClean="0"/>
-              <a:t>} </a:t>
-            </a:r>
-            <a:r>
               <a:rPr lang="en-US" sz="1600" dirty="0"/>
-              <a:t>%</a:t>
-            </a:r>
-            <a:r>
-              <a:rPr lang="en-US" sz="1600" dirty="0" err="1" smtClean="0"/>
+              <a:t>} %</a:t>
+            </a:r>
+            <a:r>
+              <a:rPr lang="en-US" sz="1600" dirty="0" err="1"/>
               <a:t>fbox</a:t>
             </a:r>
-            <a:endParaRPr lang="en-US" sz="1600" dirty="0" smtClean="0"/>
-          </a:p>
-          <a:p>
-            <a:r>
-              <a:rPr lang="en-US" sz="1600" dirty="0" smtClean="0"/>
-              <a:t>\</a:t>
-            </a:r>
+            <a:endParaRPr lang="en-US" sz="1600" dirty="0"/>
+          </a:p>
+          <a:p>
             <a:r>
               <a:rPr lang="en-US" sz="1600" dirty="0"/>
-              <a:t>end{center</a:t>
-            </a:r>
-            <a:r>
-              <a:rPr lang="en-US" sz="1600" dirty="0" smtClean="0"/>
-              <a:t>}</a:t>
-            </a:r>
-          </a:p>
-          <a:p>
-            <a:r>
-              <a:rPr lang="en-US" sz="1600" dirty="0" smtClean="0"/>
-              <a:t>\</a:t>
-            </a:r>
+              <a:t>\end{center}</a:t>
+            </a:r>
+          </a:p>
+          <a:p>
             <a:r>
               <a:rPr lang="en-US" sz="1600" dirty="0"/>
-              <a:t>end{</a:t>
+              <a:t>\end{</a:t>
             </a:r>
             <a:r>
               <a:rPr lang="en-US" sz="1600" dirty="0" err="1"/>
@@ -4698,17 +4548,12 @@
           <a:p>
             <a:r>
               <a:rPr lang="en-US" dirty="0" err="1"/>
-              <a:t>m</a:t>
-            </a:r>
-            <a:r>
-              <a:rPr lang="en-US" dirty="0" err="1" smtClean="0"/>
-              <a:t>inipage</a:t>
-            </a:r>
-            <a:r>
-              <a:rPr lang="en-US" dirty="0" smtClean="0"/>
+              <a:t>minipage</a:t>
+            </a:r>
+            <a:r>
+              <a:rPr lang="en-US" dirty="0"/>
               <a:t> environment</a:t>
             </a:r>
-            <a:endParaRPr lang="en-US" dirty="0"/>
           </a:p>
         </p:txBody>
       </p:sp>
@@ -4750,19 +4595,14 @@
               <a:rPr lang="en-US" sz="2000" dirty="0"/>
               <a:t>{1pc}  </a:t>
             </a:r>
-            <a:endParaRPr lang="en-US" sz="2000" dirty="0" smtClean="0"/>
           </a:p>
           <a:p>
             <a:pPr marL="0" indent="0">
               <a:buNone/>
             </a:pPr>
             <a:r>
-              <a:rPr lang="en-US" sz="2000" dirty="0" smtClean="0"/>
-              <a:t>\</a:t>
-            </a:r>
-            <a:r>
               <a:rPr lang="en-US" sz="2000" dirty="0"/>
-              <a:t>begin{</a:t>
+              <a:t>\begin{</a:t>
             </a:r>
             <a:r>
               <a:rPr lang="en-US" sz="2000" dirty="0" err="1"/>
@@ -4796,26 +4636,21 @@
               <a:rPr lang="en-US" sz="2000" dirty="0"/>
               <a:t>) speedups can be expected.  The width of this window is approximately an order of magnitude in the processor count. }}  </a:t>
             </a:r>
-            <a:endParaRPr lang="en-US" sz="2000" dirty="0" smtClean="0"/>
           </a:p>
           <a:p>
             <a:pPr marL="0" indent="0">
               <a:buNone/>
             </a:pPr>
             <a:r>
-              <a:rPr lang="en-US" sz="2000" dirty="0" smtClean="0"/>
-              <a:t>\</a:t>
-            </a:r>
-            <a:r>
               <a:rPr lang="en-US" sz="2000" dirty="0"/>
-              <a:t>end{</a:t>
+              <a:t>\end{</a:t>
             </a:r>
             <a:r>
               <a:rPr lang="en-US" sz="2000" dirty="0" err="1"/>
               <a:t>minipage</a:t>
             </a:r>
             <a:r>
-              <a:rPr lang="en-US" sz="2000" dirty="0" smtClean="0"/>
+              <a:rPr lang="en-US" sz="2000" dirty="0"/>
               <a:t>}</a:t>
             </a:r>
           </a:p>
@@ -4824,12 +4659,8 @@
               <a:buNone/>
             </a:pPr>
             <a:r>
-              <a:rPr lang="en-US" sz="2000" dirty="0" smtClean="0"/>
-              <a:t>\</a:t>
-            </a:r>
-            <a:r>
               <a:rPr lang="en-US" sz="2000" dirty="0"/>
-              <a:t>end{figure}</a:t>
+              <a:t>\end{figure}</a:t>
             </a:r>
           </a:p>
         </p:txBody>
@@ -4850,7 +4681,7 @@
           <a:lstStyle/>
           <a:p>
             <a:r>
-              <a:rPr lang="en-US" smtClean="0"/>
+              <a:rPr lang="en-US"/>
               <a:t>CSCI 373 Mike Heroux</a:t>
             </a:r>
             <a:endParaRPr lang="en-US" dirty="0"/>
@@ -4932,10 +4763,9 @@
           <a:lstStyle/>
           <a:p>
             <a:r>
-              <a:rPr lang="en-US" dirty="0" smtClean="0"/>
+              <a:rPr lang="en-US" dirty="0"/>
               <a:t>Writing Rules</a:t>
             </a:r>
-            <a:endParaRPr lang="en-US" dirty="0"/>
           </a:p>
         </p:txBody>
       </p:sp>
@@ -4970,37 +4800,19 @@
               <a:rPr lang="en-US" sz="2000" dirty="0"/>
               <a:t>: </a:t>
             </a:r>
-            <a:endParaRPr lang="en-US" sz="2000" dirty="0" smtClean="0"/>
           </a:p>
           <a:p>
             <a:pPr lvl="1"/>
             <a:r>
-              <a:rPr lang="en-US" sz="1800" dirty="0" smtClean="0"/>
-              <a:t>Use </a:t>
-            </a:r>
-            <a:r>
               <a:rPr lang="en-US" sz="1800" dirty="0"/>
-              <a:t>pictures, charts and graphs, </a:t>
-            </a:r>
-            <a:endParaRPr lang="en-US" sz="1800" dirty="0" smtClean="0"/>
+              <a:t>Use pictures, charts and graphs, </a:t>
+            </a:r>
           </a:p>
           <a:p>
             <a:pPr lvl="1"/>
             <a:r>
               <a:rPr lang="en-US" sz="1800" dirty="0"/>
-              <a:t>B</a:t>
-            </a:r>
-            <a:r>
-              <a:rPr lang="en-US" sz="1800" dirty="0" smtClean="0"/>
-              <a:t>ut </a:t>
-            </a:r>
-            <a:r>
-              <a:rPr lang="en-US" sz="1800" dirty="0"/>
-              <a:t>keep in mind #</a:t>
-            </a:r>
-            <a:r>
-              <a:rPr lang="en-US" sz="1800" dirty="0" smtClean="0"/>
-              <a:t>4 (Simplicity). </a:t>
+              <a:t>But keep in mind #4 (Simplicity). </a:t>
             </a:r>
           </a:p>
           <a:p>
@@ -5008,12 +4820,8 @@
               <a:buNone/>
             </a:pPr>
             <a:r>
-              <a:rPr lang="en-US" sz="2000" b="1" dirty="0" smtClean="0"/>
-              <a:t>Rule </a:t>
-            </a:r>
-            <a:r>
               <a:rPr lang="en-US" sz="2000" b="1" dirty="0"/>
-              <a:t>#7</a:t>
+              <a:t>Rule #7</a:t>
             </a:r>
             <a:r>
               <a:rPr lang="en-US" sz="2000" dirty="0"/>
@@ -5026,7 +4834,7 @@
             </a:pPr>
             <a:r>
               <a:rPr lang="en-US" sz="2000" b="1" dirty="0"/>
-              <a:t>Rule #8</a:t>
+              <a:t>Rule #9</a:t>
             </a:r>
             <a:r>
               <a:rPr lang="en-US" sz="2000" dirty="0"/>
@@ -5051,25 +4859,16 @@
             <a:pPr lvl="1"/>
             <a:r>
               <a:rPr lang="en-US" sz="1600" dirty="0"/>
-              <a:t>Numbered </a:t>
-            </a:r>
-            <a:r>
-              <a:rPr lang="en-US" sz="1600" dirty="0" smtClean="0"/>
-              <a:t>lists.</a:t>
-            </a:r>
-            <a:endParaRPr lang="en-US" sz="1600" dirty="0"/>
+              <a:t>Numbered lists.</a:t>
+            </a:r>
           </a:p>
           <a:p>
             <a:pPr marL="0" indent="0">
               <a:buNone/>
             </a:pPr>
             <a:r>
-              <a:rPr lang="en-US" sz="2400" dirty="0" smtClean="0"/>
-              <a:t>to </a:t>
-            </a:r>
-            <a:r>
               <a:rPr lang="en-US" sz="2400" dirty="0"/>
-              <a:t>provide structure, clarity and conciseness to your document. </a:t>
+              <a:t>to provide structure, clarity and conciseness to your document. </a:t>
             </a:r>
           </a:p>
           <a:p>
@@ -5078,11 +4877,11 @@
             </a:pPr>
             <a:r>
               <a:rPr lang="en-US" sz="2000" b="1" dirty="0"/>
-              <a:t>Rule #9</a:t>
+              <a:t>Rule #10</a:t>
             </a:r>
             <a:r>
               <a:rPr lang="en-US" sz="2000" dirty="0"/>
-              <a:t>: Provide guidance: </a:t>
+              <a:t>: Provide guidance : </a:t>
             </a:r>
           </a:p>
           <a:p>
@@ -5096,14 +4895,7 @@
             <a:pPr lvl="1"/>
             <a:r>
               <a:rPr lang="en-US" sz="1600" dirty="0"/>
-              <a:t>List of Figures. </a:t>
-            </a:r>
-          </a:p>
-          <a:p>
-            <a:pPr lvl="1"/>
-            <a:r>
-              <a:rPr lang="en-US" sz="1600" dirty="0"/>
-              <a:t>List of Tables. </a:t>
+              <a:t>List of Figures, list of Tables. </a:t>
             </a:r>
           </a:p>
           <a:p>
@@ -5112,10 +4904,32 @@
               <a:rPr lang="en-US" sz="1600" dirty="0"/>
               <a:t>Index and Glossary.</a:t>
             </a:r>
+          </a:p>
+          <a:p>
+            <a:pPr lvl="1"/>
+            <a:r>
+              <a:rPr lang="en-US" sz="1600" dirty="0"/>
+              <a:t>Abstract.</a:t>
+            </a:r>
+          </a:p>
+          <a:p>
+            <a:pPr lvl="1"/>
+            <a:r>
+              <a:rPr lang="en-US" sz="1600" dirty="0"/>
+              <a:t>Note: </a:t>
+            </a:r>
+            <a:r>
+              <a:rPr lang="en-US" sz="1600" dirty="0" err="1"/>
+              <a:t>LaTeX</a:t>
+            </a:r>
+            <a:r>
+              <a:rPr lang="en-US" sz="1600" dirty="0"/>
+              <a:t> provides these!</a:t>
+            </a:r>
             <a:br>
-              <a:rPr lang="en-US" sz="1600" dirty="0"/>
+              <a:rPr lang="en-US" sz="1200" dirty="0"/>
             </a:br>
-            <a:endParaRPr lang="en-US" sz="1600" dirty="0"/>
+            <a:endParaRPr lang="en-US" sz="1200" dirty="0"/>
           </a:p>
           <a:p>
             <a:endParaRPr lang="en-US" sz="2000" dirty="0"/>
@@ -5138,7 +4952,7 @@
           <a:lstStyle/>
           <a:p>
             <a:r>
-              <a:rPr lang="en-US" smtClean="0"/>
+              <a:rPr lang="en-US"/>
               <a:t>CSCI 373 Mike Heroux</a:t>
             </a:r>
             <a:endParaRPr lang="en-US" dirty="0"/>
@@ -5220,10 +5034,9 @@
           <a:lstStyle/>
           <a:p>
             <a:r>
-              <a:rPr lang="en-US" dirty="0" smtClean="0"/>
+              <a:rPr lang="en-US" dirty="0"/>
               <a:t>Slide Guidelines</a:t>
             </a:r>
-            <a:endParaRPr lang="en-US" dirty="0"/>
           </a:p>
         </p:txBody>
       </p:sp>
@@ -5252,14 +5065,9 @@
               <a:buAutoNum type="arabicPeriod"/>
             </a:pPr>
             <a:r>
-              <a:rPr lang="en-US" dirty="0" smtClean="0"/>
-              <a:t>Let </a:t>
-            </a:r>
-            <a:r>
-              <a:rPr lang="en-US" dirty="0" smtClean="0"/>
-              <a:t>us read the data.</a:t>
-            </a:r>
-            <a:endParaRPr lang="en-US" dirty="0" smtClean="0"/>
+              <a:rPr lang="en-US" dirty="0"/>
+              <a:t>Let us read the data.</a:t>
+            </a:r>
           </a:p>
           <a:p>
             <a:pPr marL="514350" indent="-514350">
@@ -5267,7 +5075,7 @@
               <a:buAutoNum type="arabicPeriod"/>
             </a:pPr>
             <a:r>
-              <a:rPr lang="en-US" dirty="0" smtClean="0"/>
+              <a:rPr lang="en-US" dirty="0"/>
               <a:t>Use diagrams, charts, figures.</a:t>
             </a:r>
           </a:p>
@@ -5277,12 +5085,8 @@
               <a:buAutoNum type="arabicPeriod"/>
             </a:pPr>
             <a:r>
-              <a:rPr lang="en-US" dirty="0" smtClean="0"/>
-              <a:t>Intersection: </a:t>
-            </a:r>
-            <a:r>
-              <a:rPr lang="en-US" dirty="0" smtClean="0"/>
-              <a:t>minimal.</a:t>
+              <a:rPr lang="en-US" dirty="0"/>
+              <a:t>Intersection: minimal.</a:t>
             </a:r>
           </a:p>
           <a:p>
@@ -5290,7 +5094,7 @@
               <a:buFont typeface="+mj-lt"/>
               <a:buAutoNum type="arabicPeriod"/>
             </a:pPr>
-            <a:endParaRPr lang="en-US" dirty="0" smtClean="0"/>
+            <a:endParaRPr lang="en-US" dirty="0"/>
           </a:p>
           <a:p>
             <a:pPr marL="514350" indent="-514350">
@@ -5298,16 +5102,8 @@
               <a:buAutoNum type="arabicPeriod"/>
             </a:pPr>
             <a:r>
-              <a:rPr lang="en-US" dirty="0" smtClean="0"/>
-              <a:t>Prepare </a:t>
-            </a:r>
-            <a:r>
-              <a:rPr lang="en-US" dirty="0" smtClean="0"/>
-              <a:t>for disaster</a:t>
-            </a:r>
-            <a:r>
-              <a:rPr lang="en-US" dirty="0" smtClean="0"/>
-              <a:t>.</a:t>
+              <a:rPr lang="en-US" dirty="0"/>
+              <a:t>Prepare for disaster.</a:t>
             </a:r>
           </a:p>
           <a:p>
@@ -5316,10 +5112,9 @@
               <a:buAutoNum type="arabicPeriod"/>
             </a:pPr>
             <a:r>
-              <a:rPr lang="en-US" dirty="0" smtClean="0"/>
+              <a:rPr lang="en-US" dirty="0"/>
               <a:t>If slides are big notecards, don’t have slides.</a:t>
             </a:r>
-            <a:endParaRPr lang="en-US" dirty="0"/>
           </a:p>
         </p:txBody>
       </p:sp>
@@ -5339,7 +5134,7 @@
           <a:lstStyle/>
           <a:p>
             <a:r>
-              <a:rPr lang="en-US" smtClean="0"/>
+              <a:rPr lang="en-US"/>
               <a:t>CSCI 373 Mike Heroux</a:t>
             </a:r>
             <a:endParaRPr lang="en-US" dirty="0"/>
@@ -5442,7 +5237,7 @@
                 <a:tabLst/>
               </a:pPr>
               <a:r>
-                <a:rPr kumimoji="0" lang="en-US" sz="2400" b="0" i="0" u="none" strike="noStrike" cap="none" normalizeH="0" baseline="0" dirty="0" smtClean="0">
+                <a:rPr kumimoji="0" lang="en-US" sz="2400" b="0" i="0" u="none" strike="noStrike" cap="none" normalizeH="0" baseline="0" dirty="0">
                   <a:ln>
                     <a:noFill/>
                   </a:ln>
@@ -5455,7 +5250,7 @@
                 <a:t>What</a:t>
               </a:r>
               <a:r>
-                <a:rPr kumimoji="0" lang="en-US" sz="2400" b="0" i="0" u="none" strike="noStrike" cap="none" normalizeH="0" dirty="0" smtClean="0">
+                <a:rPr kumimoji="0" lang="en-US" sz="2400" b="0" i="0" u="none" strike="noStrike" cap="none" normalizeH="0" dirty="0">
                   <a:ln>
                     <a:noFill/>
                   </a:ln>
@@ -5486,17 +5281,17 @@
                 <a:tabLst/>
               </a:pPr>
               <a:r>
-                <a:rPr lang="en-US" dirty="0" smtClean="0"/>
+                <a:rPr lang="en-US" dirty="0"/>
                 <a:t>on your</a:t>
               </a:r>
               <a:br>
-                <a:rPr lang="en-US" dirty="0" smtClean="0"/>
+                <a:rPr lang="en-US" dirty="0"/>
               </a:br>
               <a:r>
-                <a:rPr lang="en-US" dirty="0" smtClean="0"/>
+                <a:rPr lang="en-US" dirty="0"/>
                 <a:t>slides</a:t>
               </a:r>
-              <a:endParaRPr kumimoji="0" lang="en-US" sz="2400" b="0" i="0" u="none" strike="noStrike" cap="none" normalizeH="0" dirty="0" smtClean="0">
+              <a:endParaRPr kumimoji="0" lang="en-US" sz="2400" b="0" i="0" u="none" strike="noStrike" cap="none" normalizeH="0" dirty="0">
                 <a:ln>
                   <a:noFill/>
                 </a:ln>
@@ -5564,7 +5359,7 @@
                 <a:tabLst/>
               </a:pPr>
               <a:r>
-                <a:rPr kumimoji="0" lang="en-US" sz="2400" b="0" i="0" u="none" strike="noStrike" cap="none" normalizeH="0" baseline="0" dirty="0" smtClean="0">
+                <a:rPr kumimoji="0" lang="en-US" sz="2400" b="0" i="0" u="none" strike="noStrike" cap="none" normalizeH="0" baseline="0" dirty="0">
                   <a:ln>
                     <a:noFill/>
                   </a:ln>
@@ -5595,7 +5390,7 @@
                 <a:tabLst/>
               </a:pPr>
               <a:r>
-                <a:rPr kumimoji="0" lang="en-US" sz="2400" b="0" i="0" u="none" strike="noStrike" cap="none" normalizeH="0" baseline="0" dirty="0" smtClean="0">
+                <a:rPr kumimoji="0" lang="en-US" sz="2400" b="0" i="0" u="none" strike="noStrike" cap="none" normalizeH="0" baseline="0" dirty="0">
                   <a:ln>
                     <a:noFill/>
                   </a:ln>
@@ -5608,7 +5403,7 @@
                 <a:t>you</a:t>
               </a:r>
               <a:r>
-                <a:rPr kumimoji="0" lang="en-US" sz="2400" b="0" i="0" u="none" strike="noStrike" cap="none" normalizeH="0" dirty="0" smtClean="0">
+                <a:rPr kumimoji="0" lang="en-US" sz="2400" b="0" i="0" u="none" strike="noStrike" cap="none" normalizeH="0" dirty="0">
                   <a:ln>
                     <a:noFill/>
                   </a:ln>
@@ -5639,7 +5434,7 @@
                 <a:tabLst/>
               </a:pPr>
               <a:r>
-                <a:rPr kumimoji="0" lang="en-US" sz="2400" b="0" i="0" u="none" strike="noStrike" cap="none" normalizeH="0" dirty="0" smtClean="0">
+                <a:rPr kumimoji="0" lang="en-US" sz="2400" b="0" i="0" u="none" strike="noStrike" cap="none" normalizeH="0" dirty="0">
                   <a:ln>
                     <a:noFill/>
                   </a:ln>
@@ -5735,10 +5530,9 @@
           <a:lstStyle/>
           <a:p>
             <a:r>
-              <a:rPr lang="en-US" dirty="0" smtClean="0"/>
+              <a:rPr lang="en-US" dirty="0"/>
               <a:t>PowerPoint Defaults</a:t>
             </a:r>
-            <a:endParaRPr lang="en-US" dirty="0"/>
           </a:p>
         </p:txBody>
       </p:sp>
@@ -5763,72 +5557,71 @@
           <a:lstStyle/>
           <a:p>
             <a:r>
-              <a:rPr lang="en-US" dirty="0" smtClean="0"/>
+              <a:rPr lang="en-US" dirty="0"/>
               <a:t>The default format for PowerPoint is:</a:t>
             </a:r>
           </a:p>
           <a:p>
             <a:pPr lvl="1"/>
             <a:r>
-              <a:rPr lang="en-US" dirty="0" smtClean="0"/>
+              <a:rPr lang="en-US" dirty="0"/>
               <a:t>Outline Format.</a:t>
             </a:r>
           </a:p>
           <a:p>
             <a:pPr lvl="1"/>
             <a:r>
-              <a:rPr lang="en-US" dirty="0" smtClean="0"/>
+              <a:rPr lang="en-US" dirty="0"/>
               <a:t>Brief statements.</a:t>
             </a:r>
           </a:p>
           <a:p>
             <a:pPr lvl="1"/>
             <a:r>
-              <a:rPr lang="en-US" dirty="0" smtClean="0"/>
+              <a:rPr lang="en-US" dirty="0"/>
               <a:t>Slide is a big notecard for the speaker.</a:t>
             </a:r>
           </a:p>
           <a:p>
             <a:r>
-              <a:rPr lang="en-US" dirty="0" smtClean="0"/>
+              <a:rPr lang="en-US" dirty="0"/>
               <a:t>This is BAD:</a:t>
             </a:r>
           </a:p>
           <a:p>
             <a:pPr lvl="1"/>
             <a:r>
-              <a:rPr lang="en-US" dirty="0" smtClean="0"/>
+              <a:rPr lang="en-US" dirty="0"/>
               <a:t>Credible argument: </a:t>
             </a:r>
           </a:p>
           <a:p>
             <a:pPr lvl="2"/>
             <a:r>
-              <a:rPr lang="en-US" dirty="0" smtClean="0"/>
+              <a:rPr lang="en-US" dirty="0"/>
               <a:t>Problems with space shuttle O-rings were known.</a:t>
             </a:r>
           </a:p>
           <a:p>
             <a:pPr lvl="2"/>
             <a:r>
-              <a:rPr lang="en-US" dirty="0" smtClean="0"/>
+              <a:rPr lang="en-US" dirty="0"/>
               <a:t>Poor PowerPoint hid the issue.</a:t>
             </a:r>
           </a:p>
           <a:p>
             <a:pPr lvl="2"/>
             <a:r>
-              <a:rPr lang="en-US" dirty="0" smtClean="0"/>
+              <a:rPr lang="en-US" dirty="0"/>
               <a:t>NASA Challenger exploded in 1986.</a:t>
             </a:r>
           </a:p>
           <a:p>
             <a:pPr lvl="1"/>
             <a:r>
-              <a:rPr lang="en-US" dirty="0" smtClean="0"/>
+              <a:rPr lang="en-US" dirty="0"/>
               <a:t>The best default for a new PowerPoint slide?</a:t>
             </a:r>
-            <a:endParaRPr lang="en-US" dirty="0"/>
           </a:p>
         </p:txBody>
       </p:sp>
@@ -5848,7 +5641,7 @@
           <a:lstStyle/>
           <a:p>
             <a:r>
-              <a:rPr lang="en-US" smtClean="0"/>
+              <a:rPr lang="en-US"/>
               <a:t>CSCI 373 Mike Heroux</a:t>
             </a:r>
             <a:endParaRPr lang="en-US" dirty="0"/>

--- a/files/CS373/TechWritingSpeaking2.0.pptx
+++ b/files/CS373/TechWritingSpeaking2.0.pptx
@@ -5,20 +5,21 @@
     <p:sldMasterId id="2147483648" r:id="rId1"/>
   </p:sldMasterIdLst>
   <p:notesMasterIdLst>
-    <p:notesMasterId r:id="rId10"/>
+    <p:notesMasterId r:id="rId11"/>
   </p:notesMasterIdLst>
   <p:handoutMasterIdLst>
-    <p:handoutMasterId r:id="rId11"/>
+    <p:handoutMasterId r:id="rId12"/>
   </p:handoutMasterIdLst>
   <p:sldIdLst>
     <p:sldId id="259" r:id="rId2"/>
     <p:sldId id="260" r:id="rId3"/>
     <p:sldId id="261" r:id="rId4"/>
-    <p:sldId id="263" r:id="rId5"/>
-    <p:sldId id="262" r:id="rId6"/>
-    <p:sldId id="264" r:id="rId7"/>
-    <p:sldId id="265" r:id="rId8"/>
-    <p:sldId id="266" r:id="rId9"/>
+    <p:sldId id="262" r:id="rId5"/>
+    <p:sldId id="264" r:id="rId6"/>
+    <p:sldId id="267" r:id="rId7"/>
+    <p:sldId id="268" r:id="rId8"/>
+    <p:sldId id="265" r:id="rId9"/>
+    <p:sldId id="266" r:id="rId10"/>
   </p:sldIdLst>
   <p:sldSz cx="9144000" cy="6858000" type="screen4x3"/>
   <p:notesSz cx="6985000" cy="9282113"/>
@@ -4265,7 +4266,7 @@
         </p:nvSpPr>
         <p:spPr>
           <a:xfrm>
-            <a:off x="685800" y="1447800"/>
+            <a:off x="202481" y="1441295"/>
             <a:ext cx="4572000" cy="4648200"/>
           </a:xfrm>
         </p:spPr>
@@ -4295,15 +4296,7 @@
           <a:p>
             <a:r>
               <a:rPr lang="en-US" dirty="0"/>
-              <a:t>Use </a:t>
-            </a:r>
-            <a:r>
-              <a:rPr lang="en-US" dirty="0" err="1"/>
-              <a:t>minipage</a:t>
-            </a:r>
-            <a:r>
-              <a:rPr lang="en-US" dirty="0"/>
-              <a:t> for complicated figure arrangements.</a:t>
+              <a:t>Spreading a figure across two columns.</a:t>
             </a:r>
           </a:p>
         </p:txBody>
@@ -4351,7 +4344,7 @@
               <a:pPr/>
               <a:t>3</a:t>
             </a:fld>
-            <a:endParaRPr lang="en-US"/>
+            <a:endParaRPr lang="en-US" dirty="0"/>
           </a:p>
         </p:txBody>
       </p:sp>
@@ -4363,13 +4356,18 @@
         </p:nvSpPr>
         <p:spPr>
           <a:xfrm>
-            <a:off x="5486400" y="1981200"/>
-            <a:ext cx="3345387" cy="2554545"/>
+            <a:off x="5257800" y="1752600"/>
+            <a:ext cx="3720890" cy="3539430"/>
           </a:xfrm>
           <a:prstGeom prst="rect">
             <a:avLst/>
           </a:prstGeom>
           <a:noFill/>
+          <a:ln>
+            <a:solidFill>
+              <a:schemeClr val="accent1"/>
+            </a:solidFill>
+          </a:ln>
         </p:spPr>
         <p:txBody>
           <a:bodyPr wrap="none" rtlCol="0">
@@ -4379,124 +4377,97 @@
           <a:p>
             <a:r>
               <a:rPr lang="en-US" sz="1600" dirty="0"/>
-              <a:t>\begin{</a:t>
+              <a:t>Use the figure* environment. So instead of</a:t>
+            </a:r>
+          </a:p>
+          <a:p>
+            <a:endParaRPr lang="en-US" sz="1600" dirty="0"/>
+          </a:p>
+          <a:p>
+            <a:r>
+              <a:rPr lang="en-US" sz="1600" dirty="0"/>
+              <a:t>\begin{figure}[</a:t>
             </a:r>
             <a:r>
               <a:rPr lang="en-US" sz="1600" dirty="0" err="1"/>
-              <a:t>wrapfigure</a:t>
+              <a:t>ht</a:t>
             </a:r>
             <a:r>
               <a:rPr lang="en-US" sz="1600" dirty="0"/>
-              <a:t>}{r}{0.5\</a:t>
+              <a:t>] % I typically use </a:t>
             </a:r>
             <a:r>
               <a:rPr lang="en-US" sz="1600" dirty="0" err="1"/>
-              <a:t>textwidth</a:t>
-            </a:r>
+              <a:t>ht</a:t>
+            </a:r>
+            <a:endParaRPr lang="en-US" sz="1600" dirty="0"/>
+          </a:p>
+          <a:p>
             <a:r>
               <a:rPr lang="en-US" sz="1600" dirty="0"/>
-              <a:t>}</a:t>
+              <a:t>\centering</a:t>
             </a:r>
           </a:p>
           <a:p>
             <a:r>
               <a:rPr lang="en-US" sz="1600" dirty="0"/>
-              <a:t>\begin{center}</a:t>
+              <a:t>...</a:t>
             </a:r>
           </a:p>
           <a:p>
             <a:r>
               <a:rPr lang="en-US" sz="1600" dirty="0"/>
-              <a:t>\</a:t>
+              <a:t>\end{figure}</a:t>
+            </a:r>
+          </a:p>
+          <a:p>
+            <a:endParaRPr lang="en-US" sz="1600" dirty="0"/>
+          </a:p>
+          <a:p>
+            <a:r>
+              <a:rPr lang="en-US" sz="1600" dirty="0"/>
+              <a:t>you should use</a:t>
+            </a:r>
+          </a:p>
+          <a:p>
+            <a:endParaRPr lang="en-US" sz="1600" dirty="0"/>
+          </a:p>
+          <a:p>
+            <a:r>
+              <a:rPr lang="en-US" sz="1600" dirty="0"/>
+              <a:t>\begin{figure*}[</a:t>
             </a:r>
             <a:r>
               <a:rPr lang="en-US" sz="1600" dirty="0" err="1"/>
-              <a:t>fbox</a:t>
+              <a:t>ht</a:t>
             </a:r>
             <a:r>
               <a:rPr lang="en-US" sz="1600" dirty="0"/>
-              <a:t>{</a:t>
+              <a:t>]</a:t>
             </a:r>
           </a:p>
           <a:p>
             <a:r>
               <a:rPr lang="en-US" sz="1600" dirty="0"/>
-              <a:t>\begin{</a:t>
-            </a:r>
-            <a:r>
-              <a:rPr lang="en-US" sz="1600" dirty="0" err="1"/>
-              <a:t>minipage</a:t>
-            </a:r>
+              <a:t>\centering</a:t>
+            </a:r>
+          </a:p>
+          <a:p>
             <a:r>
               <a:rPr lang="en-US" sz="1600" dirty="0"/>
-              <a:t>}[b]{0.45\</a:t>
-            </a:r>
-            <a:r>
-              <a:rPr lang="en-US" sz="1600" dirty="0" err="1"/>
-              <a:t>textwidth</a:t>
-            </a:r>
+              <a:t>...</a:t>
+            </a:r>
+          </a:p>
+          <a:p>
             <a:r>
               <a:rPr lang="en-US" sz="1600" dirty="0"/>
-              <a:t>}</a:t>
+              <a:t>\end{figure*}</a:t>
             </a:r>
           </a:p>
           <a:p>
             <a:r>
               <a:rPr lang="en-US" sz="1600" dirty="0"/>
-              <a:t>\</a:t>
-            </a:r>
-            <a:r>
-              <a:rPr lang="en-US" sz="1600" dirty="0" err="1"/>
-              <a:t>raggedright</a:t>
-            </a:r>
-            <a:endParaRPr lang="en-US" sz="1600" dirty="0"/>
-          </a:p>
-          <a:p>
-            <a:endParaRPr lang="en-US" sz="1600" dirty="0"/>
-          </a:p>
-          <a:p>
-            <a:r>
-              <a:rPr lang="en-US" sz="1600" dirty="0"/>
-              <a:t>\end{</a:t>
-            </a:r>
-            <a:r>
-              <a:rPr lang="en-US" sz="1600" dirty="0" err="1"/>
-              <a:t>minipage</a:t>
-            </a:r>
-            <a:r>
-              <a:rPr lang="en-US" sz="1600" dirty="0"/>
-              <a:t>}</a:t>
-            </a:r>
-          </a:p>
-          <a:p>
-            <a:r>
-              <a:rPr lang="en-US" sz="1600" dirty="0"/>
-              <a:t>} %</a:t>
-            </a:r>
-            <a:r>
-              <a:rPr lang="en-US" sz="1600" dirty="0" err="1"/>
-              <a:t>fbox</a:t>
-            </a:r>
-            <a:endParaRPr lang="en-US" sz="1600" dirty="0"/>
-          </a:p>
-          <a:p>
-            <a:r>
-              <a:rPr lang="en-US" sz="1600" dirty="0"/>
-              <a:t>\end{center}</a:t>
-            </a:r>
-          </a:p>
-          <a:p>
-            <a:r>
-              <a:rPr lang="en-US" sz="1600" dirty="0"/>
-              <a:t>\end{</a:t>
-            </a:r>
-            <a:r>
-              <a:rPr lang="en-US" sz="1600" dirty="0" err="1"/>
-              <a:t>wrapfigure</a:t>
-            </a:r>
-            <a:r>
-              <a:rPr lang="en-US" sz="1600" dirty="0"/>
-              <a:t>}</a:t>
+              <a:t>This also works for tables (i.e. table*).</a:t>
             </a:r>
           </a:p>
         </p:txBody>
@@ -4541,18 +4512,19 @@
             <p:ph type="title"/>
           </p:nvPr>
         </p:nvSpPr>
-        <p:spPr/>
+        <p:spPr>
+          <a:xfrm>
+            <a:off x="685800" y="228600"/>
+            <a:ext cx="7772400" cy="685800"/>
+          </a:xfrm>
+        </p:spPr>
         <p:txBody>
           <a:bodyPr/>
           <a:lstStyle/>
           <a:p>
             <a:r>
-              <a:rPr lang="en-US" dirty="0" err="1"/>
-              <a:t>minipage</a:t>
-            </a:r>
-            <a:r>
               <a:rPr lang="en-US" dirty="0"/>
-              <a:t> environment</a:t>
+              <a:t>Writing Rules</a:t>
             </a:r>
           </a:p>
         </p:txBody>
@@ -4567,7 +4539,12 @@
             <p:ph idx="1"/>
           </p:nvPr>
         </p:nvSpPr>
-        <p:spPr/>
+        <p:spPr>
+          <a:xfrm>
+            <a:off x="685800" y="914400"/>
+            <a:ext cx="7772400" cy="5181600"/>
+          </a:xfrm>
+        </p:spPr>
         <p:txBody>
           <a:bodyPr/>
           <a:lstStyle/>
@@ -4576,24 +4553,26 @@
               <a:buNone/>
             </a:pPr>
             <a:r>
+              <a:rPr lang="en-US" sz="2000" b="1" dirty="0"/>
+              <a:t>Rule #6</a:t>
+            </a:r>
+            <a:r>
               <a:rPr lang="en-US" sz="2000" dirty="0"/>
-              <a:t>\begin{figure}[h!]  \</a:t>
-            </a:r>
-            <a:r>
-              <a:rPr lang="en-US" sz="2000" dirty="0" err="1"/>
-              <a:t>includegraphics</a:t>
-            </a:r>
-            <a:r>
-              <a:rPr lang="en-US" sz="2000" dirty="0"/>
-              <a:t>[width=20pc]{figures/scaling2008_4strong.pdf}\</a:t>
-            </a:r>
-            <a:r>
-              <a:rPr lang="en-US" sz="2000" dirty="0" err="1"/>
-              <a:t>hspace</a:t>
-            </a:r>
-            <a:r>
-              <a:rPr lang="en-US" sz="2000" dirty="0"/>
-              <a:t>{1pc}  </a:t>
+              <a:t>: </a:t>
+            </a:r>
+          </a:p>
+          <a:p>
+            <a:pPr lvl="1"/>
+            <a:r>
+              <a:rPr lang="en-US" sz="1800" dirty="0"/>
+              <a:t>Use pictures, charts and graphs, </a:t>
+            </a:r>
+          </a:p>
+          <a:p>
+            <a:pPr lvl="1"/>
+            <a:r>
+              <a:rPr lang="en-US" sz="1800" dirty="0"/>
+              <a:t>But keep in mind #4 (Simplicity). </a:t>
             </a:r>
           </a:p>
           <a:p>
@@ -4601,40 +4580,12 @@
               <a:buNone/>
             </a:pPr>
             <a:r>
+              <a:rPr lang="en-US" sz="2000" b="1" dirty="0"/>
+              <a:t>Rule #7</a:t>
+            </a:r>
+            <a:r>
               <a:rPr lang="en-US" sz="2000" dirty="0"/>
-              <a:t>\begin{</a:t>
-            </a:r>
-            <a:r>
-              <a:rPr lang="en-US" sz="2000" dirty="0" err="1"/>
-              <a:t>minipage</a:t>
-            </a:r>
-            <a:r>
-              <a:rPr lang="en-US" sz="2000" dirty="0"/>
-              <a:t>}[b]{17pc}\caption{  \label{fig:scaling1}\small{Strong scaling of </a:t>
-            </a:r>
-            <a:r>
-              <a:rPr lang="en-US" sz="2000" dirty="0" err="1"/>
-              <a:t>Tramonto</a:t>
-            </a:r>
-            <a:r>
-              <a:rPr lang="en-US" sz="2000" dirty="0"/>
-              <a:t> for 3D calculations on Thunderbird and Blue Gene.  In order to compare all the results against a single standard, we assumed perfect scaling on the smallest number of processors where the problem could be solved ($</a:t>
-            </a:r>
-            <a:r>
-              <a:rPr lang="en-US" sz="2000" dirty="0" err="1"/>
-              <a:t>Nproc</a:t>
-            </a:r>
-            <a:r>
-              <a:rPr lang="en-US" sz="2000" dirty="0"/>
-              <a:t>_{min}$).  Thus the 16 processor result for the $D=5\sigma$ (Thunderbird) case, the 128 processor result for the $D=20\sigma$ (Thunderbird) case, and the 512 processor result for the $D=5\sigma$ (Blue Gene) case are all shown on the ideal line. When using a large memory per node system (such as thunderbird) there is a window of processor counts where near linear (in some cases </a:t>
-            </a:r>
-            <a:r>
-              <a:rPr lang="en-US" sz="2000" dirty="0" err="1"/>
-              <a:t>superlinear</a:t>
-            </a:r>
-            <a:r>
-              <a:rPr lang="en-US" sz="2000" dirty="0"/>
-              <a:t>) speedups can be expected.  The width of this window is approximately an order of magnitude in the processor count. }}  </a:t>
+              <a:t>: Use examples to explain complex ideas. </a:t>
             </a:r>
           </a:p>
           <a:p>
@@ -4642,16 +4593,33 @@
               <a:buNone/>
             </a:pPr>
             <a:r>
+              <a:rPr lang="en-US" sz="2000" b="1" dirty="0"/>
+              <a:t>Rule #9</a:t>
+            </a:r>
+            <a:r>
               <a:rPr lang="en-US" sz="2000" dirty="0"/>
-              <a:t>\end{</a:t>
-            </a:r>
-            <a:r>
-              <a:rPr lang="en-US" sz="2000" dirty="0" err="1"/>
-              <a:t>minipage</a:t>
-            </a:r>
-            <a:r>
-              <a:rPr lang="en-US" sz="2000" dirty="0"/>
-              <a:t>}</a:t>
+              <a:t>: Use: </a:t>
+            </a:r>
+          </a:p>
+          <a:p>
+            <a:pPr lvl="1"/>
+            <a:r>
+              <a:rPr lang="en-US" sz="1600" dirty="0"/>
+              <a:t>Headings (Chapter, Section, etc.). </a:t>
+            </a:r>
+          </a:p>
+          <a:p>
+            <a:pPr lvl="1"/>
+            <a:r>
+              <a:rPr lang="en-US" sz="1600" dirty="0"/>
+              <a:t>Bulleted Lists. </a:t>
+            </a:r>
+          </a:p>
+          <a:p>
+            <a:pPr lvl="1"/>
+            <a:r>
+              <a:rPr lang="en-US" sz="1600" dirty="0"/>
+              <a:t>Numbered lists.</a:t>
             </a:r>
           </a:p>
           <a:p>
@@ -4659,9 +4627,72 @@
               <a:buNone/>
             </a:pPr>
             <a:r>
+              <a:rPr lang="en-US" sz="2400" dirty="0"/>
+              <a:t>to provide structure, clarity and conciseness to your document. </a:t>
+            </a:r>
+          </a:p>
+          <a:p>
+            <a:pPr marL="0" indent="0">
+              <a:buNone/>
+            </a:pPr>
+            <a:r>
+              <a:rPr lang="en-US" sz="2000" b="1" dirty="0"/>
+              <a:t>Rule #10</a:t>
+            </a:r>
+            <a:r>
               <a:rPr lang="en-US" sz="2000" dirty="0"/>
-              <a:t>\end{figure}</a:t>
-            </a:r>
+              <a:t>: Provide guidance : </a:t>
+            </a:r>
+          </a:p>
+          <a:p>
+            <a:pPr lvl="1"/>
+            <a:r>
+              <a:rPr lang="en-US" sz="1600" dirty="0"/>
+              <a:t>Table of Contents. </a:t>
+            </a:r>
+          </a:p>
+          <a:p>
+            <a:pPr lvl="1"/>
+            <a:r>
+              <a:rPr lang="en-US" sz="1600" dirty="0"/>
+              <a:t>List of Figures, list of Tables. </a:t>
+            </a:r>
+          </a:p>
+          <a:p>
+            <a:pPr lvl="1"/>
+            <a:r>
+              <a:rPr lang="en-US" sz="1600" dirty="0"/>
+              <a:t>Index and Glossary.</a:t>
+            </a:r>
+          </a:p>
+          <a:p>
+            <a:pPr lvl="1"/>
+            <a:r>
+              <a:rPr lang="en-US" sz="1600" dirty="0"/>
+              <a:t>Abstract.</a:t>
+            </a:r>
+          </a:p>
+          <a:p>
+            <a:pPr lvl="1"/>
+            <a:r>
+              <a:rPr lang="en-US" sz="1600" dirty="0"/>
+              <a:t>Note: </a:t>
+            </a:r>
+            <a:r>
+              <a:rPr lang="en-US" sz="1600" dirty="0" err="1"/>
+              <a:t>LaTeX</a:t>
+            </a:r>
+            <a:r>
+              <a:rPr lang="en-US" sz="1600" dirty="0"/>
+              <a:t> provides these!</a:t>
+            </a:r>
+            <a:br>
+              <a:rPr lang="en-US" sz="1200" dirty="0"/>
+            </a:br>
+            <a:endParaRPr lang="en-US" sz="1200" dirty="0"/>
+          </a:p>
+          <a:p>
+            <a:endParaRPr lang="en-US" sz="2000" dirty="0"/>
           </a:p>
         </p:txBody>
       </p:sp>
@@ -4715,7 +4746,7 @@
     </p:spTree>
     <p:extLst>
       <p:ext uri="{BB962C8B-B14F-4D97-AF65-F5344CB8AC3E}">
-        <p14:creationId xmlns:p14="http://schemas.microsoft.com/office/powerpoint/2010/main" val="805057917"/>
+        <p14:creationId xmlns:p14="http://schemas.microsoft.com/office/powerpoint/2010/main" val="1281507041"/>
       </p:ext>
     </p:extLst>
   </p:cSld>
@@ -4755,277 +4786,6 @@
         <p:spPr>
           <a:xfrm>
             <a:off x="685800" y="228600"/>
-            <a:ext cx="7772400" cy="685800"/>
-          </a:xfrm>
-        </p:spPr>
-        <p:txBody>
-          <a:bodyPr/>
-          <a:lstStyle/>
-          <a:p>
-            <a:r>
-              <a:rPr lang="en-US" dirty="0"/>
-              <a:t>Writing Rules</a:t>
-            </a:r>
-          </a:p>
-        </p:txBody>
-      </p:sp>
-      <p:sp>
-        <p:nvSpPr>
-          <p:cNvPr id="3" name="Content Placeholder 2"/>
-          <p:cNvSpPr>
-            <a:spLocks noGrp="1"/>
-          </p:cNvSpPr>
-          <p:nvPr>
-            <p:ph idx="1"/>
-          </p:nvPr>
-        </p:nvSpPr>
-        <p:spPr>
-          <a:xfrm>
-            <a:off x="685800" y="914400"/>
-            <a:ext cx="7772400" cy="5181600"/>
-          </a:xfrm>
-        </p:spPr>
-        <p:txBody>
-          <a:bodyPr/>
-          <a:lstStyle/>
-          <a:p>
-            <a:pPr marL="0" indent="0">
-              <a:buNone/>
-            </a:pPr>
-            <a:r>
-              <a:rPr lang="en-US" sz="2000" b="1" dirty="0"/>
-              <a:t>Rule #6</a:t>
-            </a:r>
-            <a:r>
-              <a:rPr lang="en-US" sz="2000" dirty="0"/>
-              <a:t>: </a:t>
-            </a:r>
-          </a:p>
-          <a:p>
-            <a:pPr lvl="1"/>
-            <a:r>
-              <a:rPr lang="en-US" sz="1800" dirty="0"/>
-              <a:t>Use pictures, charts and graphs, </a:t>
-            </a:r>
-          </a:p>
-          <a:p>
-            <a:pPr lvl="1"/>
-            <a:r>
-              <a:rPr lang="en-US" sz="1800" dirty="0"/>
-              <a:t>But keep in mind #4 (Simplicity). </a:t>
-            </a:r>
-          </a:p>
-          <a:p>
-            <a:pPr marL="0" indent="0">
-              <a:buNone/>
-            </a:pPr>
-            <a:r>
-              <a:rPr lang="en-US" sz="2000" b="1" dirty="0"/>
-              <a:t>Rule #7</a:t>
-            </a:r>
-            <a:r>
-              <a:rPr lang="en-US" sz="2000" dirty="0"/>
-              <a:t>: Use examples to explain complex ideas. </a:t>
-            </a:r>
-          </a:p>
-          <a:p>
-            <a:pPr marL="0" indent="0">
-              <a:buNone/>
-            </a:pPr>
-            <a:r>
-              <a:rPr lang="en-US" sz="2000" b="1" dirty="0"/>
-              <a:t>Rule #9</a:t>
-            </a:r>
-            <a:r>
-              <a:rPr lang="en-US" sz="2000" dirty="0"/>
-              <a:t>: Use: </a:t>
-            </a:r>
-          </a:p>
-          <a:p>
-            <a:pPr lvl="1"/>
-            <a:r>
-              <a:rPr lang="en-US" sz="1600" dirty="0"/>
-              <a:t>Headings (Chapter, Section, etc.). </a:t>
-            </a:r>
-          </a:p>
-          <a:p>
-            <a:pPr lvl="1"/>
-            <a:r>
-              <a:rPr lang="en-US" sz="1600" dirty="0"/>
-              <a:t>Bulleted Lists. </a:t>
-            </a:r>
-          </a:p>
-          <a:p>
-            <a:pPr lvl="1"/>
-            <a:r>
-              <a:rPr lang="en-US" sz="1600" dirty="0"/>
-              <a:t>Numbered lists.</a:t>
-            </a:r>
-          </a:p>
-          <a:p>
-            <a:pPr marL="0" indent="0">
-              <a:buNone/>
-            </a:pPr>
-            <a:r>
-              <a:rPr lang="en-US" sz="2400" dirty="0"/>
-              <a:t>to provide structure, clarity and conciseness to your document. </a:t>
-            </a:r>
-          </a:p>
-          <a:p>
-            <a:pPr marL="0" indent="0">
-              <a:buNone/>
-            </a:pPr>
-            <a:r>
-              <a:rPr lang="en-US" sz="2000" b="1" dirty="0"/>
-              <a:t>Rule #10</a:t>
-            </a:r>
-            <a:r>
-              <a:rPr lang="en-US" sz="2000" dirty="0"/>
-              <a:t>: Provide guidance : </a:t>
-            </a:r>
-          </a:p>
-          <a:p>
-            <a:pPr lvl="1"/>
-            <a:r>
-              <a:rPr lang="en-US" sz="1600" dirty="0"/>
-              <a:t>Table of Contents. </a:t>
-            </a:r>
-          </a:p>
-          <a:p>
-            <a:pPr lvl="1"/>
-            <a:r>
-              <a:rPr lang="en-US" sz="1600" dirty="0"/>
-              <a:t>List of Figures, list of Tables. </a:t>
-            </a:r>
-          </a:p>
-          <a:p>
-            <a:pPr lvl="1"/>
-            <a:r>
-              <a:rPr lang="en-US" sz="1600" dirty="0"/>
-              <a:t>Index and Glossary.</a:t>
-            </a:r>
-          </a:p>
-          <a:p>
-            <a:pPr lvl="1"/>
-            <a:r>
-              <a:rPr lang="en-US" sz="1600" dirty="0"/>
-              <a:t>Abstract.</a:t>
-            </a:r>
-          </a:p>
-          <a:p>
-            <a:pPr lvl="1"/>
-            <a:r>
-              <a:rPr lang="en-US" sz="1600" dirty="0"/>
-              <a:t>Note: </a:t>
-            </a:r>
-            <a:r>
-              <a:rPr lang="en-US" sz="1600" dirty="0" err="1"/>
-              <a:t>LaTeX</a:t>
-            </a:r>
-            <a:r>
-              <a:rPr lang="en-US" sz="1600" dirty="0"/>
-              <a:t> provides these!</a:t>
-            </a:r>
-            <a:br>
-              <a:rPr lang="en-US" sz="1200" dirty="0"/>
-            </a:br>
-            <a:endParaRPr lang="en-US" sz="1200" dirty="0"/>
-          </a:p>
-          <a:p>
-            <a:endParaRPr lang="en-US" sz="2000" dirty="0"/>
-          </a:p>
-        </p:txBody>
-      </p:sp>
-      <p:sp>
-        <p:nvSpPr>
-          <p:cNvPr id="4" name="Footer Placeholder 3"/>
-          <p:cNvSpPr>
-            <a:spLocks noGrp="1"/>
-          </p:cNvSpPr>
-          <p:nvPr>
-            <p:ph type="ftr" sz="quarter" idx="11"/>
-          </p:nvPr>
-        </p:nvSpPr>
-        <p:spPr/>
-        <p:txBody>
-          <a:bodyPr/>
-          <a:lstStyle/>
-          <a:p>
-            <a:r>
-              <a:rPr lang="en-US"/>
-              <a:t>CSCI 373 Mike Heroux</a:t>
-            </a:r>
-            <a:endParaRPr lang="en-US" dirty="0"/>
-          </a:p>
-        </p:txBody>
-      </p:sp>
-      <p:sp>
-        <p:nvSpPr>
-          <p:cNvPr id="5" name="Slide Number Placeholder 4"/>
-          <p:cNvSpPr>
-            <a:spLocks noGrp="1"/>
-          </p:cNvSpPr>
-          <p:nvPr>
-            <p:ph type="sldNum" sz="quarter" idx="12"/>
-          </p:nvPr>
-        </p:nvSpPr>
-        <p:spPr/>
-        <p:txBody>
-          <a:bodyPr/>
-          <a:lstStyle/>
-          <a:p>
-            <a:fld id="{8889F5FB-2D0D-7848-BB6D-41089A488CF6}" type="slidenum">
-              <a:rPr lang="en-US" smtClean="0"/>
-              <a:pPr/>
-              <a:t>5</a:t>
-            </a:fld>
-            <a:endParaRPr lang="en-US"/>
-          </a:p>
-        </p:txBody>
-      </p:sp>
-    </p:spTree>
-    <p:extLst>
-      <p:ext uri="{BB962C8B-B14F-4D97-AF65-F5344CB8AC3E}">
-        <p14:creationId xmlns:p14="http://schemas.microsoft.com/office/powerpoint/2010/main" val="1281507041"/>
-      </p:ext>
-    </p:extLst>
-  </p:cSld>
-  <p:clrMapOvr>
-    <a:masterClrMapping/>
-  </p:clrMapOvr>
-</p:sld>
-</file>
-
-<file path=ppt/slides/slide6.xml><?xml version="1.0" encoding="utf-8"?>
-<p:sld xmlns:a="http://schemas.openxmlformats.org/drawingml/2006/main" xmlns:r="http://schemas.openxmlformats.org/officeDocument/2006/relationships" xmlns:p="http://schemas.openxmlformats.org/presentationml/2006/main">
-  <p:cSld>
-    <p:spTree>
-      <p:nvGrpSpPr>
-        <p:cNvPr id="1" name=""/>
-        <p:cNvGrpSpPr/>
-        <p:nvPr/>
-      </p:nvGrpSpPr>
-      <p:grpSpPr>
-        <a:xfrm>
-          <a:off x="0" y="0"/>
-          <a:ext cx="0" cy="0"/>
-          <a:chOff x="0" y="0"/>
-          <a:chExt cx="0" cy="0"/>
-        </a:xfrm>
-      </p:grpSpPr>
-      <p:sp>
-        <p:nvSpPr>
-          <p:cNvPr id="2" name="Title 1"/>
-          <p:cNvSpPr>
-            <a:spLocks noGrp="1"/>
-          </p:cNvSpPr>
-          <p:nvPr>
-            <p:ph type="title"/>
-          </p:nvPr>
-        </p:nvSpPr>
-        <p:spPr>
-          <a:xfrm>
-            <a:off x="685800" y="228600"/>
             <a:ext cx="7772400" cy="762000"/>
           </a:xfrm>
         </p:spPr>
@@ -5159,7 +4919,7 @@
             <a:fld id="{8889F5FB-2D0D-7848-BB6D-41089A488CF6}" type="slidenum">
               <a:rPr lang="en-US" smtClean="0"/>
               <a:pPr/>
-              <a:t>6</a:t>
+              <a:t>5</a:t>
             </a:fld>
             <a:endParaRPr lang="en-US" dirty="0"/>
           </a:p>
@@ -5492,6 +5252,187 @@
 </p:sld>
 </file>
 
+<file path=ppt/slides/slide6.xml><?xml version="1.0" encoding="utf-8"?>
+<p:sld xmlns:a="http://schemas.openxmlformats.org/drawingml/2006/main" xmlns:r="http://schemas.openxmlformats.org/officeDocument/2006/relationships" xmlns:p="http://schemas.openxmlformats.org/presentationml/2006/main">
+  <p:cSld>
+    <p:spTree>
+      <p:nvGrpSpPr>
+        <p:cNvPr id="1" name=""/>
+        <p:cNvGrpSpPr/>
+        <p:nvPr/>
+      </p:nvGrpSpPr>
+      <p:grpSpPr>
+        <a:xfrm>
+          <a:off x="0" y="0"/>
+          <a:ext cx="0" cy="0"/>
+          <a:chOff x="0" y="0"/>
+          <a:chExt cx="0" cy="0"/>
+        </a:xfrm>
+      </p:grpSpPr>
+      <p:sp>
+        <p:nvSpPr>
+          <p:cNvPr id="2" name="Title 1">
+            <a:extLst>
+              <a:ext uri="{FF2B5EF4-FFF2-40B4-BE49-F238E27FC236}">
+                <a16:creationId xmlns:a16="http://schemas.microsoft.com/office/drawing/2014/main" id="{879EB310-097E-4B4D-B1E1-1778CBCE2115}"/>
+              </a:ext>
+            </a:extLst>
+          </p:cNvPr>
+          <p:cNvSpPr>
+            <a:spLocks noGrp="1"/>
+          </p:cNvSpPr>
+          <p:nvPr>
+            <p:ph type="title"/>
+          </p:nvPr>
+        </p:nvSpPr>
+        <p:spPr/>
+        <p:txBody>
+          <a:bodyPr/>
+          <a:lstStyle/>
+          <a:p>
+            <a:r>
+              <a:rPr lang="en-US" dirty="0"/>
+              <a:t>Put Details on Slides</a:t>
+            </a:r>
+          </a:p>
+        </p:txBody>
+      </p:sp>
+      <p:pic>
+        <p:nvPicPr>
+          <p:cNvPr id="7" name="Content Placeholder 6" descr="A screenshot of a cell phone&#10;&#10;Description automatically generated">
+            <a:extLst>
+              <a:ext uri="{FF2B5EF4-FFF2-40B4-BE49-F238E27FC236}">
+                <a16:creationId xmlns:a16="http://schemas.microsoft.com/office/drawing/2014/main" id="{B7E4C58D-7D87-DC4C-836A-9338F9F498A8}"/>
+              </a:ext>
+            </a:extLst>
+          </p:cNvPr>
+          <p:cNvPicPr>
+            <a:picLocks noGrp="1" noChangeAspect="1"/>
+          </p:cNvPicPr>
+          <p:nvPr>
+            <p:ph idx="1"/>
+          </p:nvPr>
+        </p:nvPicPr>
+        <p:blipFill>
+          <a:blip r:embed="rId2"/>
+          <a:stretch>
+            <a:fillRect/>
+          </a:stretch>
+        </p:blipFill>
+        <p:spPr>
+          <a:xfrm>
+            <a:off x="685800" y="1762466"/>
+            <a:ext cx="7772400" cy="4018867"/>
+          </a:xfrm>
+        </p:spPr>
+      </p:pic>
+      <p:sp>
+        <p:nvSpPr>
+          <p:cNvPr id="4" name="Footer Placeholder 3">
+            <a:extLst>
+              <a:ext uri="{FF2B5EF4-FFF2-40B4-BE49-F238E27FC236}">
+                <a16:creationId xmlns:a16="http://schemas.microsoft.com/office/drawing/2014/main" id="{A65B1DE0-2DDD-8B42-9AE2-298C4F9B3EF9}"/>
+              </a:ext>
+            </a:extLst>
+          </p:cNvPr>
+          <p:cNvSpPr>
+            <a:spLocks noGrp="1"/>
+          </p:cNvSpPr>
+          <p:nvPr>
+            <p:ph type="ftr" sz="quarter" idx="11"/>
+          </p:nvPr>
+        </p:nvSpPr>
+        <p:spPr/>
+        <p:txBody>
+          <a:bodyPr/>
+          <a:lstStyle/>
+          <a:p>
+            <a:r>
+              <a:rPr lang="en-US"/>
+              <a:t>CSCI 373 Mike Heroux</a:t>
+            </a:r>
+            <a:endParaRPr lang="en-US" dirty="0"/>
+          </a:p>
+        </p:txBody>
+      </p:sp>
+      <p:sp>
+        <p:nvSpPr>
+          <p:cNvPr id="5" name="Slide Number Placeholder 4">
+            <a:extLst>
+              <a:ext uri="{FF2B5EF4-FFF2-40B4-BE49-F238E27FC236}">
+                <a16:creationId xmlns:a16="http://schemas.microsoft.com/office/drawing/2014/main" id="{B6BBBB3D-6A08-0C45-B256-883C4E87F663}"/>
+              </a:ext>
+            </a:extLst>
+          </p:cNvPr>
+          <p:cNvSpPr>
+            <a:spLocks noGrp="1"/>
+          </p:cNvSpPr>
+          <p:nvPr>
+            <p:ph type="sldNum" sz="quarter" idx="12"/>
+          </p:nvPr>
+        </p:nvSpPr>
+        <p:spPr/>
+        <p:txBody>
+          <a:bodyPr/>
+          <a:lstStyle/>
+          <a:p>
+            <a:fld id="{8889F5FB-2D0D-7848-BB6D-41089A488CF6}" type="slidenum">
+              <a:rPr lang="en-US" smtClean="0"/>
+              <a:pPr/>
+              <a:t>6</a:t>
+            </a:fld>
+            <a:endParaRPr lang="en-US"/>
+          </a:p>
+        </p:txBody>
+      </p:sp>
+      <p:sp>
+        <p:nvSpPr>
+          <p:cNvPr id="8" name="TextBox 7">
+            <a:extLst>
+              <a:ext uri="{FF2B5EF4-FFF2-40B4-BE49-F238E27FC236}">
+                <a16:creationId xmlns:a16="http://schemas.microsoft.com/office/drawing/2014/main" id="{D9EC2AFC-5A0A-1541-8CF5-CF2C24C0B111}"/>
+              </a:ext>
+            </a:extLst>
+          </p:cNvPr>
+          <p:cNvSpPr txBox="1"/>
+          <p:nvPr/>
+        </p:nvSpPr>
+        <p:spPr>
+          <a:xfrm>
+            <a:off x="762000" y="1300801"/>
+            <a:ext cx="6309741" cy="461665"/>
+          </a:xfrm>
+          <a:prstGeom prst="rect">
+            <a:avLst/>
+          </a:prstGeom>
+          <a:noFill/>
+        </p:spPr>
+        <p:txBody>
+          <a:bodyPr wrap="none" rtlCol="0">
+            <a:spAutoFit/>
+          </a:bodyPr>
+          <a:lstStyle/>
+          <a:p>
+            <a:r>
+              <a:rPr lang="en-US" dirty="0"/>
+              <a:t>DOE Oak Ridge Exascale System Frontier Specs.</a:t>
+            </a:r>
+          </a:p>
+        </p:txBody>
+      </p:sp>
+    </p:spTree>
+    <p:extLst>
+      <p:ext uri="{BB962C8B-B14F-4D97-AF65-F5344CB8AC3E}">
+        <p14:creationId xmlns:p14="http://schemas.microsoft.com/office/powerpoint/2010/main" val="1430959156"/>
+      </p:ext>
+    </p:extLst>
+  </p:cSld>
+  <p:clrMapOvr>
+    <a:masterClrMapping/>
+  </p:clrMapOvr>
+</p:sld>
+</file>
+
 <file path=ppt/slides/slide7.xml><?xml version="1.0" encoding="utf-8"?>
 <p:sld xmlns:a="http://schemas.openxmlformats.org/drawingml/2006/main" xmlns:r="http://schemas.openxmlformats.org/officeDocument/2006/relationships" xmlns:p="http://schemas.openxmlformats.org/presentationml/2006/main">
   <p:cSld>
@@ -5511,7 +5452,13 @@
       </p:grpSpPr>
       <p:sp>
         <p:nvSpPr>
-          <p:cNvPr id="2" name="Title 1"/>
+          <p:cNvPr id="2" name="Title 1">
+            <a:extLst>
+              <a:ext uri="{FF2B5EF4-FFF2-40B4-BE49-F238E27FC236}">
+                <a16:creationId xmlns:a16="http://schemas.microsoft.com/office/drawing/2014/main" id="{F83876AF-9CE5-6D4F-9E25-F8CEAE557E6E}"/>
+              </a:ext>
+            </a:extLst>
+          </p:cNvPr>
           <p:cNvSpPr>
             <a:spLocks noGrp="1"/>
           </p:cNvSpPr>
@@ -5519,128 +5466,69 @@
             <p:ph type="title"/>
           </p:nvPr>
         </p:nvSpPr>
+        <p:spPr/>
+        <p:txBody>
+          <a:bodyPr/>
+          <a:lstStyle/>
+          <a:p>
+            <a:r>
+              <a:rPr lang="en-US" dirty="0"/>
+              <a:t>Create Timelines</a:t>
+            </a:r>
+          </a:p>
+        </p:txBody>
+      </p:sp>
+      <p:pic>
+        <p:nvPicPr>
+          <p:cNvPr id="7" name="Content Placeholder 6" descr="A screenshot of a social media post&#10;&#10;Description automatically generated">
+            <a:extLst>
+              <a:ext uri="{FF2B5EF4-FFF2-40B4-BE49-F238E27FC236}">
+                <a16:creationId xmlns:a16="http://schemas.microsoft.com/office/drawing/2014/main" id="{E4DCBED4-716B-2D4D-82C3-8A3D58EC5A91}"/>
+              </a:ext>
+            </a:extLst>
+          </p:cNvPr>
+          <p:cNvPicPr>
+            <a:picLocks noGrp="1" noChangeAspect="1"/>
+          </p:cNvPicPr>
+          <p:nvPr>
+            <p:ph idx="1"/>
+          </p:nvPr>
+        </p:nvPicPr>
+        <p:blipFill>
+          <a:blip r:embed="rId2"/>
+          <a:stretch>
+            <a:fillRect/>
+          </a:stretch>
+        </p:blipFill>
         <p:spPr>
           <a:xfrm>
-            <a:off x="685800" y="228600"/>
-            <a:ext cx="7772400" cy="914400"/>
+            <a:off x="685800" y="2110764"/>
+            <a:ext cx="7772400" cy="3322271"/>
           </a:xfrm>
         </p:spPr>
+      </p:pic>
+      <p:sp>
+        <p:nvSpPr>
+          <p:cNvPr id="4" name="Footer Placeholder 3">
+            <a:extLst>
+              <a:ext uri="{FF2B5EF4-FFF2-40B4-BE49-F238E27FC236}">
+                <a16:creationId xmlns:a16="http://schemas.microsoft.com/office/drawing/2014/main" id="{710E06C2-44D0-0D4D-810D-34ACCD24B7A2}"/>
+              </a:ext>
+            </a:extLst>
+          </p:cNvPr>
+          <p:cNvSpPr>
+            <a:spLocks noGrp="1"/>
+          </p:cNvSpPr>
+          <p:nvPr>
+            <p:ph type="ftr" sz="quarter" idx="11"/>
+          </p:nvPr>
+        </p:nvSpPr>
+        <p:spPr/>
         <p:txBody>
           <a:bodyPr/>
           <a:lstStyle/>
           <a:p>
             <a:r>
-              <a:rPr lang="en-US" dirty="0"/>
-              <a:t>PowerPoint Defaults</a:t>
-            </a:r>
-          </a:p>
-        </p:txBody>
-      </p:sp>
-      <p:sp>
-        <p:nvSpPr>
-          <p:cNvPr id="3" name="Content Placeholder 2"/>
-          <p:cNvSpPr>
-            <a:spLocks noGrp="1"/>
-          </p:cNvSpPr>
-          <p:nvPr>
-            <p:ph idx="1"/>
-          </p:nvPr>
-        </p:nvSpPr>
-        <p:spPr>
-          <a:xfrm>
-            <a:off x="609600" y="1143000"/>
-            <a:ext cx="8229600" cy="4648200"/>
-          </a:xfrm>
-        </p:spPr>
-        <p:txBody>
-          <a:bodyPr/>
-          <a:lstStyle/>
-          <a:p>
-            <a:r>
-              <a:rPr lang="en-US" dirty="0"/>
-              <a:t>The default format for PowerPoint is:</a:t>
-            </a:r>
-          </a:p>
-          <a:p>
-            <a:pPr lvl="1"/>
-            <a:r>
-              <a:rPr lang="en-US" dirty="0"/>
-              <a:t>Outline Format.</a:t>
-            </a:r>
-          </a:p>
-          <a:p>
-            <a:pPr lvl="1"/>
-            <a:r>
-              <a:rPr lang="en-US" dirty="0"/>
-              <a:t>Brief statements.</a:t>
-            </a:r>
-          </a:p>
-          <a:p>
-            <a:pPr lvl="1"/>
-            <a:r>
-              <a:rPr lang="en-US" dirty="0"/>
-              <a:t>Slide is a big notecard for the speaker.</a:t>
-            </a:r>
-          </a:p>
-          <a:p>
-            <a:r>
-              <a:rPr lang="en-US" dirty="0"/>
-              <a:t>This is BAD:</a:t>
-            </a:r>
-          </a:p>
-          <a:p>
-            <a:pPr lvl="1"/>
-            <a:r>
-              <a:rPr lang="en-US" dirty="0"/>
-              <a:t>Credible argument: </a:t>
-            </a:r>
-          </a:p>
-          <a:p>
-            <a:pPr lvl="2"/>
-            <a:r>
-              <a:rPr lang="en-US" dirty="0"/>
-              <a:t>Problems with space shuttle O-rings were known.</a:t>
-            </a:r>
-          </a:p>
-          <a:p>
-            <a:pPr lvl="2"/>
-            <a:r>
-              <a:rPr lang="en-US" dirty="0"/>
-              <a:t>Poor PowerPoint hid the issue.</a:t>
-            </a:r>
-          </a:p>
-          <a:p>
-            <a:pPr lvl="2"/>
-            <a:r>
-              <a:rPr lang="en-US" dirty="0"/>
-              <a:t>NASA Challenger exploded in 1986.</a:t>
-            </a:r>
-          </a:p>
-          <a:p>
-            <a:pPr lvl="1"/>
-            <a:r>
-              <a:rPr lang="en-US" dirty="0"/>
-              <a:t>The best default for a new PowerPoint slide?</a:t>
-            </a:r>
-          </a:p>
-        </p:txBody>
-      </p:sp>
-      <p:sp>
-        <p:nvSpPr>
-          <p:cNvPr id="4" name="Footer Placeholder 3"/>
-          <p:cNvSpPr>
-            <a:spLocks noGrp="1"/>
-          </p:cNvSpPr>
-          <p:nvPr>
-            <p:ph type="ftr" sz="quarter" idx="11"/>
-          </p:nvPr>
-        </p:nvSpPr>
-        <p:spPr/>
-        <p:txBody>
-          <a:bodyPr/>
-          <a:lstStyle/>
-          <a:p>
-            <a:r>
               <a:rPr lang="en-US"/>
               <a:t>CSCI 373 Mike Heroux</a:t>
             </a:r>
@@ -5650,7 +5538,13 @@
       </p:sp>
       <p:sp>
         <p:nvSpPr>
-          <p:cNvPr id="5" name="Slide Number Placeholder 4"/>
+          <p:cNvPr id="5" name="Slide Number Placeholder 4">
+            <a:extLst>
+              <a:ext uri="{FF2B5EF4-FFF2-40B4-BE49-F238E27FC236}">
+                <a16:creationId xmlns:a16="http://schemas.microsoft.com/office/drawing/2014/main" id="{E9B4AEDF-B850-FF4E-9824-C0EFFE376D2C}"/>
+              </a:ext>
+            </a:extLst>
+          </p:cNvPr>
           <p:cNvSpPr>
             <a:spLocks noGrp="1"/>
           </p:cNvSpPr>
@@ -5672,10 +5566,66 @@
           </a:p>
         </p:txBody>
       </p:sp>
+      <p:sp>
+        <p:nvSpPr>
+          <p:cNvPr id="8" name="TextBox 7">
+            <a:extLst>
+              <a:ext uri="{FF2B5EF4-FFF2-40B4-BE49-F238E27FC236}">
+                <a16:creationId xmlns:a16="http://schemas.microsoft.com/office/drawing/2014/main" id="{7537FACF-EAD3-8344-B996-9473D4D1204B}"/>
+              </a:ext>
+            </a:extLst>
+          </p:cNvPr>
+          <p:cNvSpPr txBox="1"/>
+          <p:nvPr/>
+        </p:nvSpPr>
+        <p:spPr>
+          <a:xfrm>
+            <a:off x="533400" y="5791200"/>
+            <a:ext cx="8223149" cy="369332"/>
+          </a:xfrm>
+          <a:prstGeom prst="rect">
+            <a:avLst/>
+          </a:prstGeom>
+        </p:spPr>
+        <p:style>
+          <a:lnRef idx="2">
+            <a:schemeClr val="dk1"/>
+          </a:lnRef>
+          <a:fillRef idx="1">
+            <a:schemeClr val="lt1"/>
+          </a:fillRef>
+          <a:effectRef idx="0">
+            <a:schemeClr val="dk1"/>
+          </a:effectRef>
+          <a:fontRef idx="minor">
+            <a:schemeClr val="dk1"/>
+          </a:fontRef>
+        </p:style>
+        <p:txBody>
+          <a:bodyPr wrap="none" rtlCol="0">
+            <a:spAutoFit/>
+          </a:bodyPr>
+          <a:lstStyle/>
+          <a:p>
+            <a:r>
+              <a:rPr lang="en-US" sz="1800" dirty="0"/>
+              <a:t>http://</a:t>
+            </a:r>
+            <a:r>
+              <a:rPr lang="en-US" sz="1800" dirty="0" err="1"/>
+              <a:t>www.excel-board.com</a:t>
+            </a:r>
+            <a:r>
+              <a:rPr lang="en-US" sz="1800" dirty="0"/>
+              <a:t>/how-to-create-timeline-chart-in-excel-quickly-and-easily/</a:t>
+            </a:r>
+          </a:p>
+        </p:txBody>
+      </p:sp>
     </p:spTree>
     <p:extLst>
       <p:ext uri="{BB962C8B-B14F-4D97-AF65-F5344CB8AC3E}">
-        <p14:creationId xmlns:p14="http://schemas.microsoft.com/office/powerpoint/2010/main" val="1081259693"/>
+        <p14:creationId xmlns:p14="http://schemas.microsoft.com/office/powerpoint/2010/main" val="3007707613"/>
       </p:ext>
     </p:extLst>
   </p:cSld>
@@ -5704,6 +5654,145 @@
       </p:grpSpPr>
       <p:sp>
         <p:nvSpPr>
+          <p:cNvPr id="2" name="Title 1"/>
+          <p:cNvSpPr>
+            <a:spLocks noGrp="1"/>
+          </p:cNvSpPr>
+          <p:nvPr>
+            <p:ph type="title"/>
+          </p:nvPr>
+        </p:nvSpPr>
+        <p:spPr>
+          <a:xfrm>
+            <a:off x="685800" y="228600"/>
+            <a:ext cx="7772400" cy="914400"/>
+          </a:xfrm>
+        </p:spPr>
+        <p:txBody>
+          <a:bodyPr/>
+          <a:lstStyle/>
+          <a:p>
+            <a:r>
+              <a:rPr lang="en-US" dirty="0"/>
+              <a:t>PowerPoint Defaults</a:t>
+            </a:r>
+          </a:p>
+        </p:txBody>
+      </p:sp>
+      <p:sp>
+        <p:nvSpPr>
+          <p:cNvPr id="3" name="Content Placeholder 2"/>
+          <p:cNvSpPr>
+            <a:spLocks noGrp="1"/>
+          </p:cNvSpPr>
+          <p:nvPr>
+            <p:ph idx="1"/>
+          </p:nvPr>
+        </p:nvSpPr>
+        <p:spPr>
+          <a:xfrm>
+            <a:off x="609600" y="1143000"/>
+            <a:ext cx="8229600" cy="4648200"/>
+          </a:xfrm>
+        </p:spPr>
+        <p:txBody>
+          <a:bodyPr/>
+          <a:lstStyle/>
+          <a:p>
+            <a:r>
+              <a:rPr lang="en-US" dirty="0"/>
+              <a:t>The default format for PowerPoint is:</a:t>
+            </a:r>
+          </a:p>
+          <a:p>
+            <a:pPr lvl="1"/>
+            <a:r>
+              <a:rPr lang="en-US" dirty="0"/>
+              <a:t>Outline Format.</a:t>
+            </a:r>
+          </a:p>
+          <a:p>
+            <a:pPr lvl="1"/>
+            <a:r>
+              <a:rPr lang="en-US" dirty="0"/>
+              <a:t>Brief statements.</a:t>
+            </a:r>
+          </a:p>
+          <a:p>
+            <a:pPr lvl="1"/>
+            <a:r>
+              <a:rPr lang="en-US" dirty="0"/>
+              <a:t>Slide is a big notecard for the speaker.</a:t>
+            </a:r>
+          </a:p>
+          <a:p>
+            <a:r>
+              <a:rPr lang="en-US" dirty="0"/>
+              <a:t>This is BAD:</a:t>
+            </a:r>
+          </a:p>
+          <a:p>
+            <a:pPr lvl="1"/>
+            <a:r>
+              <a:rPr lang="en-US" dirty="0"/>
+              <a:t>Credible argument: </a:t>
+            </a:r>
+          </a:p>
+          <a:p>
+            <a:pPr lvl="2"/>
+            <a:r>
+              <a:rPr lang="en-US" dirty="0"/>
+              <a:t>Problems with space shuttle O-rings were known.</a:t>
+            </a:r>
+          </a:p>
+          <a:p>
+            <a:pPr lvl="2"/>
+            <a:r>
+              <a:rPr lang="en-US" dirty="0"/>
+              <a:t>Poor PowerPoint hid the issue.</a:t>
+            </a:r>
+          </a:p>
+          <a:p>
+            <a:pPr lvl="2"/>
+            <a:r>
+              <a:rPr lang="en-US" dirty="0"/>
+              <a:t>NASA Challenger exploded in 1986.</a:t>
+            </a:r>
+          </a:p>
+          <a:p>
+            <a:pPr lvl="1"/>
+            <a:r>
+              <a:rPr lang="en-US" dirty="0"/>
+              <a:t>The best default for a new PowerPoint slide?</a:t>
+            </a:r>
+          </a:p>
+        </p:txBody>
+      </p:sp>
+      <p:sp>
+        <p:nvSpPr>
+          <p:cNvPr id="4" name="Footer Placeholder 3"/>
+          <p:cNvSpPr>
+            <a:spLocks noGrp="1"/>
+          </p:cNvSpPr>
+          <p:nvPr>
+            <p:ph type="ftr" sz="quarter" idx="11"/>
+          </p:nvPr>
+        </p:nvSpPr>
+        <p:spPr/>
+        <p:txBody>
+          <a:bodyPr/>
+          <a:lstStyle/>
+          <a:p>
+            <a:r>
+              <a:rPr lang="en-US"/>
+              <a:t>CSCI 373 Mike Heroux</a:t>
+            </a:r>
+            <a:endParaRPr lang="en-US" dirty="0"/>
+          </a:p>
+        </p:txBody>
+      </p:sp>
+      <p:sp>
+        <p:nvSpPr>
           <p:cNvPr id="5" name="Slide Number Placeholder 4"/>
           <p:cNvSpPr>
             <a:spLocks noGrp="1"/>
@@ -5721,6 +5810,60 @@
               <a:rPr lang="en-US" smtClean="0"/>
               <a:pPr/>
               <a:t>8</a:t>
+            </a:fld>
+            <a:endParaRPr lang="en-US"/>
+          </a:p>
+        </p:txBody>
+      </p:sp>
+    </p:spTree>
+    <p:extLst>
+      <p:ext uri="{BB962C8B-B14F-4D97-AF65-F5344CB8AC3E}">
+        <p14:creationId xmlns:p14="http://schemas.microsoft.com/office/powerpoint/2010/main" val="1081259693"/>
+      </p:ext>
+    </p:extLst>
+  </p:cSld>
+  <p:clrMapOvr>
+    <a:masterClrMapping/>
+  </p:clrMapOvr>
+</p:sld>
+</file>
+
+<file path=ppt/slides/slide9.xml><?xml version="1.0" encoding="utf-8"?>
+<p:sld xmlns:a="http://schemas.openxmlformats.org/drawingml/2006/main" xmlns:r="http://schemas.openxmlformats.org/officeDocument/2006/relationships" xmlns:p="http://schemas.openxmlformats.org/presentationml/2006/main">
+  <p:cSld>
+    <p:spTree>
+      <p:nvGrpSpPr>
+        <p:cNvPr id="1" name=""/>
+        <p:cNvGrpSpPr/>
+        <p:nvPr/>
+      </p:nvGrpSpPr>
+      <p:grpSpPr>
+        <a:xfrm>
+          <a:off x="0" y="0"/>
+          <a:ext cx="0" cy="0"/>
+          <a:chOff x="0" y="0"/>
+          <a:chExt cx="0" cy="0"/>
+        </a:xfrm>
+      </p:grpSpPr>
+      <p:sp>
+        <p:nvSpPr>
+          <p:cNvPr id="5" name="Slide Number Placeholder 4"/>
+          <p:cNvSpPr>
+            <a:spLocks noGrp="1"/>
+          </p:cNvSpPr>
+          <p:nvPr>
+            <p:ph type="sldNum" sz="quarter" idx="12"/>
+          </p:nvPr>
+        </p:nvSpPr>
+        <p:spPr/>
+        <p:txBody>
+          <a:bodyPr/>
+          <a:lstStyle/>
+          <a:p>
+            <a:fld id="{8889F5FB-2D0D-7848-BB6D-41089A488CF6}" type="slidenum">
+              <a:rPr lang="en-US" smtClean="0"/>
+              <a:pPr/>
+              <a:t>9</a:t>
             </a:fld>
             <a:endParaRPr lang="en-US"/>
           </a:p>

--- a/files/CS373/TechWritingSpeaking2.0.pptx
+++ b/files/CS373/TechWritingSpeaking2.0.pptx
@@ -4356,8 +4356,8 @@
         </p:nvSpPr>
         <p:spPr>
           <a:xfrm>
-            <a:off x="5257800" y="1752600"/>
-            <a:ext cx="3720890" cy="3539430"/>
+            <a:off x="5029200" y="1530505"/>
+            <a:ext cx="3720890" cy="4278094"/>
           </a:xfrm>
           <a:prstGeom prst="rect">
             <a:avLst/>
@@ -4377,6 +4377,15 @@
           <a:p>
             <a:r>
               <a:rPr lang="en-US" sz="1600" dirty="0"/>
+              <a:t>To spread a figure across two columns:</a:t>
+            </a:r>
+          </a:p>
+          <a:p>
+            <a:endParaRPr lang="en-US" sz="1600" dirty="0"/>
+          </a:p>
+          <a:p>
+            <a:r>
+              <a:rPr lang="en-US" sz="1600" dirty="0"/>
               <a:t>Use the figure* environment. So instead of</a:t>
             </a:r>
           </a:p>
@@ -4385,38 +4394,33 @@
           </a:p>
           <a:p>
             <a:r>
-              <a:rPr lang="en-US" sz="1600" dirty="0"/>
+              <a:rPr lang="en-US" sz="1600" b="1" dirty="0"/>
               <a:t>\begin{figure}[</a:t>
             </a:r>
             <a:r>
-              <a:rPr lang="en-US" sz="1600" dirty="0" err="1"/>
+              <a:rPr lang="en-US" sz="1600" b="1" dirty="0" err="1"/>
               <a:t>ht</a:t>
             </a:r>
             <a:r>
-              <a:rPr lang="en-US" sz="1600" dirty="0"/>
-              <a:t>] % I typically use </a:t>
-            </a:r>
-            <a:r>
-              <a:rPr lang="en-US" sz="1600" dirty="0" err="1"/>
-              <a:t>ht</a:t>
-            </a:r>
-            <a:endParaRPr lang="en-US" sz="1600" dirty="0"/>
-          </a:p>
-          <a:p>
-            <a:r>
-              <a:rPr lang="en-US" sz="1600" dirty="0"/>
+              <a:rPr lang="en-US" sz="1600" b="1" dirty="0"/>
+              <a:t>]</a:t>
+            </a:r>
+          </a:p>
+          <a:p>
+            <a:r>
+              <a:rPr lang="en-US" sz="1600" b="1" dirty="0"/>
               <a:t>\centering</a:t>
             </a:r>
           </a:p>
           <a:p>
             <a:r>
-              <a:rPr lang="en-US" sz="1600" dirty="0"/>
+              <a:rPr lang="en-US" sz="1600" b="1" dirty="0"/>
               <a:t>...</a:t>
             </a:r>
           </a:p>
           <a:p>
             <a:r>
-              <a:rPr lang="en-US" sz="1600" dirty="0"/>
+              <a:rPr lang="en-US" sz="1600" b="1" dirty="0"/>
               <a:t>\end{figure}</a:t>
             </a:r>
           </a:p>
@@ -4434,35 +4438,38 @@
           </a:p>
           <a:p>
             <a:r>
-              <a:rPr lang="en-US" sz="1600" dirty="0"/>
+              <a:rPr lang="en-US" sz="1600" b="1" dirty="0"/>
               <a:t>\begin{figure*}[</a:t>
             </a:r>
             <a:r>
-              <a:rPr lang="en-US" sz="1600" dirty="0" err="1"/>
+              <a:rPr lang="en-US" sz="1600" b="1" dirty="0" err="1"/>
               <a:t>ht</a:t>
             </a:r>
             <a:r>
-              <a:rPr lang="en-US" sz="1600" dirty="0"/>
+              <a:rPr lang="en-US" sz="1600" b="1" dirty="0"/>
               <a:t>]</a:t>
             </a:r>
           </a:p>
           <a:p>
             <a:r>
-              <a:rPr lang="en-US" sz="1600" dirty="0"/>
+              <a:rPr lang="en-US" sz="1600" b="1" dirty="0"/>
               <a:t>\centering</a:t>
             </a:r>
           </a:p>
           <a:p>
             <a:r>
-              <a:rPr lang="en-US" sz="1600" dirty="0"/>
+              <a:rPr lang="en-US" sz="1600" b="1" dirty="0"/>
               <a:t>...</a:t>
             </a:r>
           </a:p>
           <a:p>
             <a:r>
-              <a:rPr lang="en-US" sz="1600" dirty="0"/>
+              <a:rPr lang="en-US" sz="1600" b="1" dirty="0"/>
               <a:t>\end{figure*}</a:t>
             </a:r>
+          </a:p>
+          <a:p>
+            <a:endParaRPr lang="en-US" sz="1600" b="1" dirty="0"/>
           </a:p>
           <a:p>
             <a:r>
